--- a/slide/STL.pptx
+++ b/slide/STL.pptx
@@ -5,15 +5,31 @@
     <p:sldMasterId id="2147483648" r:id="rId1"/>
   </p:sldMasterIdLst>
   <p:notesMasterIdLst>
-    <p:notesMasterId r:id="rId8"/>
+    <p:notesMasterId r:id="rId24"/>
   </p:notesMasterIdLst>
   <p:sldIdLst>
     <p:sldId id="256" r:id="rId2"/>
     <p:sldId id="257" r:id="rId3"/>
-    <p:sldId id="258" r:id="rId4"/>
-    <p:sldId id="259" r:id="rId5"/>
-    <p:sldId id="260" r:id="rId6"/>
-    <p:sldId id="261" r:id="rId7"/>
+    <p:sldId id="262" r:id="rId4"/>
+    <p:sldId id="258" r:id="rId5"/>
+    <p:sldId id="259" r:id="rId6"/>
+    <p:sldId id="260" r:id="rId7"/>
+    <p:sldId id="261" r:id="rId8"/>
+    <p:sldId id="263" r:id="rId9"/>
+    <p:sldId id="264" r:id="rId10"/>
+    <p:sldId id="265" r:id="rId11"/>
+    <p:sldId id="266" r:id="rId12"/>
+    <p:sldId id="267" r:id="rId13"/>
+    <p:sldId id="268" r:id="rId14"/>
+    <p:sldId id="269" r:id="rId15"/>
+    <p:sldId id="270" r:id="rId16"/>
+    <p:sldId id="271" r:id="rId17"/>
+    <p:sldId id="272" r:id="rId18"/>
+    <p:sldId id="273" r:id="rId19"/>
+    <p:sldId id="274" r:id="rId20"/>
+    <p:sldId id="275" r:id="rId21"/>
+    <p:sldId id="276" r:id="rId22"/>
+    <p:sldId id="277" r:id="rId23"/>
   </p:sldIdLst>
   <p:sldSz cx="12192000" cy="6858000"/>
   <p:notesSz cx="6858000" cy="9144000"/>
@@ -202,7 +218,7 @@
           <a:p>
             <a:fld id="{AA740DC7-5088-45E5-B1BA-75A66E6BB66D}" type="datetimeFigureOut">
               <a:rPr lang="en-US" smtClean="0"/>
-              <a:t>2/17/2025</a:t>
+              <a:t>2/20/2025</a:t>
             </a:fld>
             <a:endParaRPr lang="en-US"/>
           </a:p>
@@ -553,7 +569,1411 @@
 </p:notes>
 </file>
 
+<file path=ppt/notesSlides/notesSlide10.xml><?xml version="1.0" encoding="utf-8"?>
+<p:notes xmlns:a="http://schemas.openxmlformats.org/drawingml/2006/main" xmlns:r="http://schemas.openxmlformats.org/officeDocument/2006/relationships" xmlns:p="http://schemas.openxmlformats.org/presentationml/2006/main">
+  <p:cSld>
+    <p:spTree>
+      <p:nvGrpSpPr>
+        <p:cNvPr id="1" name="">
+          <a:extLst>
+            <a:ext uri="{FF2B5EF4-FFF2-40B4-BE49-F238E27FC236}">
+              <a16:creationId xmlns:a16="http://schemas.microsoft.com/office/drawing/2014/main" id="{621F37C4-2395-A726-D36E-2DF4182CA90B}"/>
+            </a:ext>
+          </a:extLst>
+        </p:cNvPr>
+        <p:cNvGrpSpPr/>
+        <p:nvPr/>
+      </p:nvGrpSpPr>
+      <p:grpSpPr>
+        <a:xfrm>
+          <a:off x="0" y="0"/>
+          <a:ext cx="0" cy="0"/>
+          <a:chOff x="0" y="0"/>
+          <a:chExt cx="0" cy="0"/>
+        </a:xfrm>
+      </p:grpSpPr>
+      <p:sp>
+        <p:nvSpPr>
+          <p:cNvPr id="2" name="Slide Image Placeholder 1">
+            <a:extLst>
+              <a:ext uri="{FF2B5EF4-FFF2-40B4-BE49-F238E27FC236}">
+                <a16:creationId xmlns:a16="http://schemas.microsoft.com/office/drawing/2014/main" id="{AA9B92A6-CA2B-29DE-7255-B7E436FCFEC5}"/>
+              </a:ext>
+            </a:extLst>
+          </p:cNvPr>
+          <p:cNvSpPr>
+            <a:spLocks noGrp="1" noRot="1" noChangeAspect="1"/>
+          </p:cNvSpPr>
+          <p:nvPr>
+            <p:ph type="sldImg"/>
+          </p:nvPr>
+        </p:nvSpPr>
+        <p:spPr/>
+      </p:sp>
+      <p:sp>
+        <p:nvSpPr>
+          <p:cNvPr id="3" name="Notes Placeholder 2">
+            <a:extLst>
+              <a:ext uri="{FF2B5EF4-FFF2-40B4-BE49-F238E27FC236}">
+                <a16:creationId xmlns:a16="http://schemas.microsoft.com/office/drawing/2014/main" id="{BFCB4053-5C91-6F46-BE73-9C0568F3980C}"/>
+              </a:ext>
+            </a:extLst>
+          </p:cNvPr>
+          <p:cNvSpPr>
+            <a:spLocks noGrp="1"/>
+          </p:cNvSpPr>
+          <p:nvPr>
+            <p:ph type="body" idx="1"/>
+          </p:nvPr>
+        </p:nvSpPr>
+        <p:spPr/>
+        <p:txBody>
+          <a:bodyPr/>
+          <a:lstStyle/>
+          <a:p>
+            <a:endParaRPr lang="en-US" dirty="0"/>
+          </a:p>
+        </p:txBody>
+      </p:sp>
+      <p:sp>
+        <p:nvSpPr>
+          <p:cNvPr id="4" name="Slide Number Placeholder 3">
+            <a:extLst>
+              <a:ext uri="{FF2B5EF4-FFF2-40B4-BE49-F238E27FC236}">
+                <a16:creationId xmlns:a16="http://schemas.microsoft.com/office/drawing/2014/main" id="{9EA86C2D-B727-28C2-7F91-177324D82377}"/>
+              </a:ext>
+            </a:extLst>
+          </p:cNvPr>
+          <p:cNvSpPr>
+            <a:spLocks noGrp="1"/>
+          </p:cNvSpPr>
+          <p:nvPr>
+            <p:ph type="sldNum" sz="quarter" idx="5"/>
+          </p:nvPr>
+        </p:nvSpPr>
+        <p:spPr/>
+        <p:txBody>
+          <a:bodyPr/>
+          <a:lstStyle/>
+          <a:p>
+            <a:fld id="{BF687E30-B67E-4869-B766-5FF8F15F5C5C}" type="slidenum">
+              <a:rPr lang="en-US" smtClean="0"/>
+              <a:t>11</a:t>
+            </a:fld>
+            <a:endParaRPr lang="en-US"/>
+          </a:p>
+        </p:txBody>
+      </p:sp>
+    </p:spTree>
+    <p:extLst>
+      <p:ext uri="{BB962C8B-B14F-4D97-AF65-F5344CB8AC3E}">
+        <p14:creationId xmlns:p14="http://schemas.microsoft.com/office/powerpoint/2010/main" val="3063454170"/>
+      </p:ext>
+    </p:extLst>
+  </p:cSld>
+  <p:clrMapOvr>
+    <a:masterClrMapping/>
+  </p:clrMapOvr>
+</p:notes>
+</file>
+
+<file path=ppt/notesSlides/notesSlide11.xml><?xml version="1.0" encoding="utf-8"?>
+<p:notes xmlns:a="http://schemas.openxmlformats.org/drawingml/2006/main" xmlns:r="http://schemas.openxmlformats.org/officeDocument/2006/relationships" xmlns:p="http://schemas.openxmlformats.org/presentationml/2006/main">
+  <p:cSld>
+    <p:spTree>
+      <p:nvGrpSpPr>
+        <p:cNvPr id="1" name="">
+          <a:extLst>
+            <a:ext uri="{FF2B5EF4-FFF2-40B4-BE49-F238E27FC236}">
+              <a16:creationId xmlns:a16="http://schemas.microsoft.com/office/drawing/2014/main" id="{4C94A55F-1128-87F0-BDCE-F726DD781A35}"/>
+            </a:ext>
+          </a:extLst>
+        </p:cNvPr>
+        <p:cNvGrpSpPr/>
+        <p:nvPr/>
+      </p:nvGrpSpPr>
+      <p:grpSpPr>
+        <a:xfrm>
+          <a:off x="0" y="0"/>
+          <a:ext cx="0" cy="0"/>
+          <a:chOff x="0" y="0"/>
+          <a:chExt cx="0" cy="0"/>
+        </a:xfrm>
+      </p:grpSpPr>
+      <p:sp>
+        <p:nvSpPr>
+          <p:cNvPr id="2" name="Slide Image Placeholder 1">
+            <a:extLst>
+              <a:ext uri="{FF2B5EF4-FFF2-40B4-BE49-F238E27FC236}">
+                <a16:creationId xmlns:a16="http://schemas.microsoft.com/office/drawing/2014/main" id="{7FDD311E-06E2-2BEF-B5E3-2193D0475606}"/>
+              </a:ext>
+            </a:extLst>
+          </p:cNvPr>
+          <p:cNvSpPr>
+            <a:spLocks noGrp="1" noRot="1" noChangeAspect="1"/>
+          </p:cNvSpPr>
+          <p:nvPr>
+            <p:ph type="sldImg"/>
+          </p:nvPr>
+        </p:nvSpPr>
+        <p:spPr/>
+      </p:sp>
+      <p:sp>
+        <p:nvSpPr>
+          <p:cNvPr id="3" name="Notes Placeholder 2">
+            <a:extLst>
+              <a:ext uri="{FF2B5EF4-FFF2-40B4-BE49-F238E27FC236}">
+                <a16:creationId xmlns:a16="http://schemas.microsoft.com/office/drawing/2014/main" id="{F61E6347-206B-9065-1EF9-12361A5A8E87}"/>
+              </a:ext>
+            </a:extLst>
+          </p:cNvPr>
+          <p:cNvSpPr>
+            <a:spLocks noGrp="1"/>
+          </p:cNvSpPr>
+          <p:nvPr>
+            <p:ph type="body" idx="1"/>
+          </p:nvPr>
+        </p:nvSpPr>
+        <p:spPr/>
+        <p:txBody>
+          <a:bodyPr/>
+          <a:lstStyle/>
+          <a:p>
+            <a:endParaRPr lang="en-US" dirty="0"/>
+          </a:p>
+        </p:txBody>
+      </p:sp>
+      <p:sp>
+        <p:nvSpPr>
+          <p:cNvPr id="4" name="Slide Number Placeholder 3">
+            <a:extLst>
+              <a:ext uri="{FF2B5EF4-FFF2-40B4-BE49-F238E27FC236}">
+                <a16:creationId xmlns:a16="http://schemas.microsoft.com/office/drawing/2014/main" id="{B711455E-8EDE-E66A-B38E-916459E48BAC}"/>
+              </a:ext>
+            </a:extLst>
+          </p:cNvPr>
+          <p:cNvSpPr>
+            <a:spLocks noGrp="1"/>
+          </p:cNvSpPr>
+          <p:nvPr>
+            <p:ph type="sldNum" sz="quarter" idx="5"/>
+          </p:nvPr>
+        </p:nvSpPr>
+        <p:spPr/>
+        <p:txBody>
+          <a:bodyPr/>
+          <a:lstStyle/>
+          <a:p>
+            <a:fld id="{BF687E30-B67E-4869-B766-5FF8F15F5C5C}" type="slidenum">
+              <a:rPr lang="en-US" smtClean="0"/>
+              <a:t>12</a:t>
+            </a:fld>
+            <a:endParaRPr lang="en-US"/>
+          </a:p>
+        </p:txBody>
+      </p:sp>
+    </p:spTree>
+    <p:extLst>
+      <p:ext uri="{BB962C8B-B14F-4D97-AF65-F5344CB8AC3E}">
+        <p14:creationId xmlns:p14="http://schemas.microsoft.com/office/powerpoint/2010/main" val="135119163"/>
+      </p:ext>
+    </p:extLst>
+  </p:cSld>
+  <p:clrMapOvr>
+    <a:masterClrMapping/>
+  </p:clrMapOvr>
+</p:notes>
+</file>
+
+<file path=ppt/notesSlides/notesSlide12.xml><?xml version="1.0" encoding="utf-8"?>
+<p:notes xmlns:a="http://schemas.openxmlformats.org/drawingml/2006/main" xmlns:r="http://schemas.openxmlformats.org/officeDocument/2006/relationships" xmlns:p="http://schemas.openxmlformats.org/presentationml/2006/main">
+  <p:cSld>
+    <p:spTree>
+      <p:nvGrpSpPr>
+        <p:cNvPr id="1" name="">
+          <a:extLst>
+            <a:ext uri="{FF2B5EF4-FFF2-40B4-BE49-F238E27FC236}">
+              <a16:creationId xmlns:a16="http://schemas.microsoft.com/office/drawing/2014/main" id="{BAF88430-5447-F43E-C2F8-43BCE683F321}"/>
+            </a:ext>
+          </a:extLst>
+        </p:cNvPr>
+        <p:cNvGrpSpPr/>
+        <p:nvPr/>
+      </p:nvGrpSpPr>
+      <p:grpSpPr>
+        <a:xfrm>
+          <a:off x="0" y="0"/>
+          <a:ext cx="0" cy="0"/>
+          <a:chOff x="0" y="0"/>
+          <a:chExt cx="0" cy="0"/>
+        </a:xfrm>
+      </p:grpSpPr>
+      <p:sp>
+        <p:nvSpPr>
+          <p:cNvPr id="2" name="Slide Image Placeholder 1">
+            <a:extLst>
+              <a:ext uri="{FF2B5EF4-FFF2-40B4-BE49-F238E27FC236}">
+                <a16:creationId xmlns:a16="http://schemas.microsoft.com/office/drawing/2014/main" id="{4692B5F7-515E-3514-C38E-AE285CE1B7E7}"/>
+              </a:ext>
+            </a:extLst>
+          </p:cNvPr>
+          <p:cNvSpPr>
+            <a:spLocks noGrp="1" noRot="1" noChangeAspect="1"/>
+          </p:cNvSpPr>
+          <p:nvPr>
+            <p:ph type="sldImg"/>
+          </p:nvPr>
+        </p:nvSpPr>
+        <p:spPr/>
+      </p:sp>
+      <p:sp>
+        <p:nvSpPr>
+          <p:cNvPr id="3" name="Notes Placeholder 2">
+            <a:extLst>
+              <a:ext uri="{FF2B5EF4-FFF2-40B4-BE49-F238E27FC236}">
+                <a16:creationId xmlns:a16="http://schemas.microsoft.com/office/drawing/2014/main" id="{BB22C190-219A-D0D0-14F8-9DC0329B352B}"/>
+              </a:ext>
+            </a:extLst>
+          </p:cNvPr>
+          <p:cNvSpPr>
+            <a:spLocks noGrp="1"/>
+          </p:cNvSpPr>
+          <p:nvPr>
+            <p:ph type="body" idx="1"/>
+          </p:nvPr>
+        </p:nvSpPr>
+        <p:spPr/>
+        <p:txBody>
+          <a:bodyPr/>
+          <a:lstStyle/>
+          <a:p>
+            <a:endParaRPr lang="en-US" dirty="0"/>
+          </a:p>
+        </p:txBody>
+      </p:sp>
+      <p:sp>
+        <p:nvSpPr>
+          <p:cNvPr id="4" name="Slide Number Placeholder 3">
+            <a:extLst>
+              <a:ext uri="{FF2B5EF4-FFF2-40B4-BE49-F238E27FC236}">
+                <a16:creationId xmlns:a16="http://schemas.microsoft.com/office/drawing/2014/main" id="{3A3F0556-557E-9FB9-749E-8F23E4828312}"/>
+              </a:ext>
+            </a:extLst>
+          </p:cNvPr>
+          <p:cNvSpPr>
+            <a:spLocks noGrp="1"/>
+          </p:cNvSpPr>
+          <p:nvPr>
+            <p:ph type="sldNum" sz="quarter" idx="5"/>
+          </p:nvPr>
+        </p:nvSpPr>
+        <p:spPr/>
+        <p:txBody>
+          <a:bodyPr/>
+          <a:lstStyle/>
+          <a:p>
+            <a:fld id="{BF687E30-B67E-4869-B766-5FF8F15F5C5C}" type="slidenum">
+              <a:rPr lang="en-US" smtClean="0"/>
+              <a:t>13</a:t>
+            </a:fld>
+            <a:endParaRPr lang="en-US"/>
+          </a:p>
+        </p:txBody>
+      </p:sp>
+    </p:spTree>
+    <p:extLst>
+      <p:ext uri="{BB962C8B-B14F-4D97-AF65-F5344CB8AC3E}">
+        <p14:creationId xmlns:p14="http://schemas.microsoft.com/office/powerpoint/2010/main" val="879161296"/>
+      </p:ext>
+    </p:extLst>
+  </p:cSld>
+  <p:clrMapOvr>
+    <a:masterClrMapping/>
+  </p:clrMapOvr>
+</p:notes>
+</file>
+
+<file path=ppt/notesSlides/notesSlide13.xml><?xml version="1.0" encoding="utf-8"?>
+<p:notes xmlns:a="http://schemas.openxmlformats.org/drawingml/2006/main" xmlns:r="http://schemas.openxmlformats.org/officeDocument/2006/relationships" xmlns:p="http://schemas.openxmlformats.org/presentationml/2006/main">
+  <p:cSld>
+    <p:spTree>
+      <p:nvGrpSpPr>
+        <p:cNvPr id="1" name="">
+          <a:extLst>
+            <a:ext uri="{FF2B5EF4-FFF2-40B4-BE49-F238E27FC236}">
+              <a16:creationId xmlns:a16="http://schemas.microsoft.com/office/drawing/2014/main" id="{BF8687FC-B1E6-3CC3-9D4E-375A454C8498}"/>
+            </a:ext>
+          </a:extLst>
+        </p:cNvPr>
+        <p:cNvGrpSpPr/>
+        <p:nvPr/>
+      </p:nvGrpSpPr>
+      <p:grpSpPr>
+        <a:xfrm>
+          <a:off x="0" y="0"/>
+          <a:ext cx="0" cy="0"/>
+          <a:chOff x="0" y="0"/>
+          <a:chExt cx="0" cy="0"/>
+        </a:xfrm>
+      </p:grpSpPr>
+      <p:sp>
+        <p:nvSpPr>
+          <p:cNvPr id="2" name="Slide Image Placeholder 1">
+            <a:extLst>
+              <a:ext uri="{FF2B5EF4-FFF2-40B4-BE49-F238E27FC236}">
+                <a16:creationId xmlns:a16="http://schemas.microsoft.com/office/drawing/2014/main" id="{21FC98D6-6481-16CF-01BD-883AB885202F}"/>
+              </a:ext>
+            </a:extLst>
+          </p:cNvPr>
+          <p:cNvSpPr>
+            <a:spLocks noGrp="1" noRot="1" noChangeAspect="1"/>
+          </p:cNvSpPr>
+          <p:nvPr>
+            <p:ph type="sldImg"/>
+          </p:nvPr>
+        </p:nvSpPr>
+        <p:spPr/>
+      </p:sp>
+      <p:sp>
+        <p:nvSpPr>
+          <p:cNvPr id="3" name="Notes Placeholder 2">
+            <a:extLst>
+              <a:ext uri="{FF2B5EF4-FFF2-40B4-BE49-F238E27FC236}">
+                <a16:creationId xmlns:a16="http://schemas.microsoft.com/office/drawing/2014/main" id="{852A1C22-9B64-F64F-5469-29DA5F73F85A}"/>
+              </a:ext>
+            </a:extLst>
+          </p:cNvPr>
+          <p:cNvSpPr>
+            <a:spLocks noGrp="1"/>
+          </p:cNvSpPr>
+          <p:nvPr>
+            <p:ph type="body" idx="1"/>
+          </p:nvPr>
+        </p:nvSpPr>
+        <p:spPr/>
+        <p:txBody>
+          <a:bodyPr/>
+          <a:lstStyle/>
+          <a:p>
+            <a:endParaRPr lang="en-US" dirty="0"/>
+          </a:p>
+        </p:txBody>
+      </p:sp>
+      <p:sp>
+        <p:nvSpPr>
+          <p:cNvPr id="4" name="Slide Number Placeholder 3">
+            <a:extLst>
+              <a:ext uri="{FF2B5EF4-FFF2-40B4-BE49-F238E27FC236}">
+                <a16:creationId xmlns:a16="http://schemas.microsoft.com/office/drawing/2014/main" id="{51977693-9616-658C-1A68-71AB02017CB6}"/>
+              </a:ext>
+            </a:extLst>
+          </p:cNvPr>
+          <p:cNvSpPr>
+            <a:spLocks noGrp="1"/>
+          </p:cNvSpPr>
+          <p:nvPr>
+            <p:ph type="sldNum" sz="quarter" idx="5"/>
+          </p:nvPr>
+        </p:nvSpPr>
+        <p:spPr/>
+        <p:txBody>
+          <a:bodyPr/>
+          <a:lstStyle/>
+          <a:p>
+            <a:fld id="{BF687E30-B67E-4869-B766-5FF8F15F5C5C}" type="slidenum">
+              <a:rPr lang="en-US" smtClean="0"/>
+              <a:t>14</a:t>
+            </a:fld>
+            <a:endParaRPr lang="en-US"/>
+          </a:p>
+        </p:txBody>
+      </p:sp>
+    </p:spTree>
+    <p:extLst>
+      <p:ext uri="{BB962C8B-B14F-4D97-AF65-F5344CB8AC3E}">
+        <p14:creationId xmlns:p14="http://schemas.microsoft.com/office/powerpoint/2010/main" val="827766889"/>
+      </p:ext>
+    </p:extLst>
+  </p:cSld>
+  <p:clrMapOvr>
+    <a:masterClrMapping/>
+  </p:clrMapOvr>
+</p:notes>
+</file>
+
+<file path=ppt/notesSlides/notesSlide14.xml><?xml version="1.0" encoding="utf-8"?>
+<p:notes xmlns:a="http://schemas.openxmlformats.org/drawingml/2006/main" xmlns:r="http://schemas.openxmlformats.org/officeDocument/2006/relationships" xmlns:p="http://schemas.openxmlformats.org/presentationml/2006/main">
+  <p:cSld>
+    <p:spTree>
+      <p:nvGrpSpPr>
+        <p:cNvPr id="1" name="">
+          <a:extLst>
+            <a:ext uri="{FF2B5EF4-FFF2-40B4-BE49-F238E27FC236}">
+              <a16:creationId xmlns:a16="http://schemas.microsoft.com/office/drawing/2014/main" id="{E733AD70-DD8A-9269-0C0B-0D408EB035CE}"/>
+            </a:ext>
+          </a:extLst>
+        </p:cNvPr>
+        <p:cNvGrpSpPr/>
+        <p:nvPr/>
+      </p:nvGrpSpPr>
+      <p:grpSpPr>
+        <a:xfrm>
+          <a:off x="0" y="0"/>
+          <a:ext cx="0" cy="0"/>
+          <a:chOff x="0" y="0"/>
+          <a:chExt cx="0" cy="0"/>
+        </a:xfrm>
+      </p:grpSpPr>
+      <p:sp>
+        <p:nvSpPr>
+          <p:cNvPr id="2" name="Slide Image Placeholder 1">
+            <a:extLst>
+              <a:ext uri="{FF2B5EF4-FFF2-40B4-BE49-F238E27FC236}">
+                <a16:creationId xmlns:a16="http://schemas.microsoft.com/office/drawing/2014/main" id="{E9207608-4F51-8162-132B-348CEB484B7C}"/>
+              </a:ext>
+            </a:extLst>
+          </p:cNvPr>
+          <p:cNvSpPr>
+            <a:spLocks noGrp="1" noRot="1" noChangeAspect="1"/>
+          </p:cNvSpPr>
+          <p:nvPr>
+            <p:ph type="sldImg"/>
+          </p:nvPr>
+        </p:nvSpPr>
+        <p:spPr/>
+      </p:sp>
+      <p:sp>
+        <p:nvSpPr>
+          <p:cNvPr id="3" name="Notes Placeholder 2">
+            <a:extLst>
+              <a:ext uri="{FF2B5EF4-FFF2-40B4-BE49-F238E27FC236}">
+                <a16:creationId xmlns:a16="http://schemas.microsoft.com/office/drawing/2014/main" id="{196B04A5-B25F-53B9-5341-29D1A490B442}"/>
+              </a:ext>
+            </a:extLst>
+          </p:cNvPr>
+          <p:cNvSpPr>
+            <a:spLocks noGrp="1"/>
+          </p:cNvSpPr>
+          <p:nvPr>
+            <p:ph type="body" idx="1"/>
+          </p:nvPr>
+        </p:nvSpPr>
+        <p:spPr/>
+        <p:txBody>
+          <a:bodyPr/>
+          <a:lstStyle/>
+          <a:p>
+            <a:endParaRPr lang="en-US" dirty="0"/>
+          </a:p>
+        </p:txBody>
+      </p:sp>
+      <p:sp>
+        <p:nvSpPr>
+          <p:cNvPr id="4" name="Slide Number Placeholder 3">
+            <a:extLst>
+              <a:ext uri="{FF2B5EF4-FFF2-40B4-BE49-F238E27FC236}">
+                <a16:creationId xmlns:a16="http://schemas.microsoft.com/office/drawing/2014/main" id="{55CC58A9-1945-374E-5B72-B810C7897715}"/>
+              </a:ext>
+            </a:extLst>
+          </p:cNvPr>
+          <p:cNvSpPr>
+            <a:spLocks noGrp="1"/>
+          </p:cNvSpPr>
+          <p:nvPr>
+            <p:ph type="sldNum" sz="quarter" idx="5"/>
+          </p:nvPr>
+        </p:nvSpPr>
+        <p:spPr/>
+        <p:txBody>
+          <a:bodyPr/>
+          <a:lstStyle/>
+          <a:p>
+            <a:fld id="{BF687E30-B67E-4869-B766-5FF8F15F5C5C}" type="slidenum">
+              <a:rPr lang="en-US" smtClean="0"/>
+              <a:t>15</a:t>
+            </a:fld>
+            <a:endParaRPr lang="en-US"/>
+          </a:p>
+        </p:txBody>
+      </p:sp>
+    </p:spTree>
+    <p:extLst>
+      <p:ext uri="{BB962C8B-B14F-4D97-AF65-F5344CB8AC3E}">
+        <p14:creationId xmlns:p14="http://schemas.microsoft.com/office/powerpoint/2010/main" val="1365279630"/>
+      </p:ext>
+    </p:extLst>
+  </p:cSld>
+  <p:clrMapOvr>
+    <a:masterClrMapping/>
+  </p:clrMapOvr>
+</p:notes>
+</file>
+
+<file path=ppt/notesSlides/notesSlide15.xml><?xml version="1.0" encoding="utf-8"?>
+<p:notes xmlns:a="http://schemas.openxmlformats.org/drawingml/2006/main" xmlns:r="http://schemas.openxmlformats.org/officeDocument/2006/relationships" xmlns:p="http://schemas.openxmlformats.org/presentationml/2006/main">
+  <p:cSld>
+    <p:spTree>
+      <p:nvGrpSpPr>
+        <p:cNvPr id="1" name="">
+          <a:extLst>
+            <a:ext uri="{FF2B5EF4-FFF2-40B4-BE49-F238E27FC236}">
+              <a16:creationId xmlns:a16="http://schemas.microsoft.com/office/drawing/2014/main" id="{8CF2E5F4-C7DD-F73A-60E6-F5045563B8C6}"/>
+            </a:ext>
+          </a:extLst>
+        </p:cNvPr>
+        <p:cNvGrpSpPr/>
+        <p:nvPr/>
+      </p:nvGrpSpPr>
+      <p:grpSpPr>
+        <a:xfrm>
+          <a:off x="0" y="0"/>
+          <a:ext cx="0" cy="0"/>
+          <a:chOff x="0" y="0"/>
+          <a:chExt cx="0" cy="0"/>
+        </a:xfrm>
+      </p:grpSpPr>
+      <p:sp>
+        <p:nvSpPr>
+          <p:cNvPr id="2" name="Slide Image Placeholder 1">
+            <a:extLst>
+              <a:ext uri="{FF2B5EF4-FFF2-40B4-BE49-F238E27FC236}">
+                <a16:creationId xmlns:a16="http://schemas.microsoft.com/office/drawing/2014/main" id="{ED1F65CC-27BB-10C2-3EC3-E6AF63543126}"/>
+              </a:ext>
+            </a:extLst>
+          </p:cNvPr>
+          <p:cNvSpPr>
+            <a:spLocks noGrp="1" noRot="1" noChangeAspect="1"/>
+          </p:cNvSpPr>
+          <p:nvPr>
+            <p:ph type="sldImg"/>
+          </p:nvPr>
+        </p:nvSpPr>
+        <p:spPr/>
+      </p:sp>
+      <p:sp>
+        <p:nvSpPr>
+          <p:cNvPr id="3" name="Notes Placeholder 2">
+            <a:extLst>
+              <a:ext uri="{FF2B5EF4-FFF2-40B4-BE49-F238E27FC236}">
+                <a16:creationId xmlns:a16="http://schemas.microsoft.com/office/drawing/2014/main" id="{39A45B3C-95D0-48A0-3D06-499B2687A37E}"/>
+              </a:ext>
+            </a:extLst>
+          </p:cNvPr>
+          <p:cNvSpPr>
+            <a:spLocks noGrp="1"/>
+          </p:cNvSpPr>
+          <p:nvPr>
+            <p:ph type="body" idx="1"/>
+          </p:nvPr>
+        </p:nvSpPr>
+        <p:spPr/>
+        <p:txBody>
+          <a:bodyPr/>
+          <a:lstStyle/>
+          <a:p>
+            <a:endParaRPr lang="en-US" dirty="0"/>
+          </a:p>
+        </p:txBody>
+      </p:sp>
+      <p:sp>
+        <p:nvSpPr>
+          <p:cNvPr id="4" name="Slide Number Placeholder 3">
+            <a:extLst>
+              <a:ext uri="{FF2B5EF4-FFF2-40B4-BE49-F238E27FC236}">
+                <a16:creationId xmlns:a16="http://schemas.microsoft.com/office/drawing/2014/main" id="{E3894B89-4D5D-30C1-FB9A-3A7DEE0CB1F6}"/>
+              </a:ext>
+            </a:extLst>
+          </p:cNvPr>
+          <p:cNvSpPr>
+            <a:spLocks noGrp="1"/>
+          </p:cNvSpPr>
+          <p:nvPr>
+            <p:ph type="sldNum" sz="quarter" idx="5"/>
+          </p:nvPr>
+        </p:nvSpPr>
+        <p:spPr/>
+        <p:txBody>
+          <a:bodyPr/>
+          <a:lstStyle/>
+          <a:p>
+            <a:fld id="{BF687E30-B67E-4869-B766-5FF8F15F5C5C}" type="slidenum">
+              <a:rPr lang="en-US" smtClean="0"/>
+              <a:t>16</a:t>
+            </a:fld>
+            <a:endParaRPr lang="en-US"/>
+          </a:p>
+        </p:txBody>
+      </p:sp>
+    </p:spTree>
+    <p:extLst>
+      <p:ext uri="{BB962C8B-B14F-4D97-AF65-F5344CB8AC3E}">
+        <p14:creationId xmlns:p14="http://schemas.microsoft.com/office/powerpoint/2010/main" val="743933970"/>
+      </p:ext>
+    </p:extLst>
+  </p:cSld>
+  <p:clrMapOvr>
+    <a:masterClrMapping/>
+  </p:clrMapOvr>
+</p:notes>
+</file>
+
+<file path=ppt/notesSlides/notesSlide16.xml><?xml version="1.0" encoding="utf-8"?>
+<p:notes xmlns:a="http://schemas.openxmlformats.org/drawingml/2006/main" xmlns:r="http://schemas.openxmlformats.org/officeDocument/2006/relationships" xmlns:p="http://schemas.openxmlformats.org/presentationml/2006/main">
+  <p:cSld>
+    <p:spTree>
+      <p:nvGrpSpPr>
+        <p:cNvPr id="1" name="">
+          <a:extLst>
+            <a:ext uri="{FF2B5EF4-FFF2-40B4-BE49-F238E27FC236}">
+              <a16:creationId xmlns:a16="http://schemas.microsoft.com/office/drawing/2014/main" id="{E2D119B2-8BD9-9C1B-5597-30E09908D61A}"/>
+            </a:ext>
+          </a:extLst>
+        </p:cNvPr>
+        <p:cNvGrpSpPr/>
+        <p:nvPr/>
+      </p:nvGrpSpPr>
+      <p:grpSpPr>
+        <a:xfrm>
+          <a:off x="0" y="0"/>
+          <a:ext cx="0" cy="0"/>
+          <a:chOff x="0" y="0"/>
+          <a:chExt cx="0" cy="0"/>
+        </a:xfrm>
+      </p:grpSpPr>
+      <p:sp>
+        <p:nvSpPr>
+          <p:cNvPr id="2" name="Slide Image Placeholder 1">
+            <a:extLst>
+              <a:ext uri="{FF2B5EF4-FFF2-40B4-BE49-F238E27FC236}">
+                <a16:creationId xmlns:a16="http://schemas.microsoft.com/office/drawing/2014/main" id="{26697EAB-EEDF-DBFD-4D5A-D84ACA23E6A6}"/>
+              </a:ext>
+            </a:extLst>
+          </p:cNvPr>
+          <p:cNvSpPr>
+            <a:spLocks noGrp="1" noRot="1" noChangeAspect="1"/>
+          </p:cNvSpPr>
+          <p:nvPr>
+            <p:ph type="sldImg"/>
+          </p:nvPr>
+        </p:nvSpPr>
+        <p:spPr/>
+      </p:sp>
+      <p:sp>
+        <p:nvSpPr>
+          <p:cNvPr id="3" name="Notes Placeholder 2">
+            <a:extLst>
+              <a:ext uri="{FF2B5EF4-FFF2-40B4-BE49-F238E27FC236}">
+                <a16:creationId xmlns:a16="http://schemas.microsoft.com/office/drawing/2014/main" id="{3B121534-247F-2E96-76FB-8228C4994439}"/>
+              </a:ext>
+            </a:extLst>
+          </p:cNvPr>
+          <p:cNvSpPr>
+            <a:spLocks noGrp="1"/>
+          </p:cNvSpPr>
+          <p:nvPr>
+            <p:ph type="body" idx="1"/>
+          </p:nvPr>
+        </p:nvSpPr>
+        <p:spPr/>
+        <p:txBody>
+          <a:bodyPr/>
+          <a:lstStyle/>
+          <a:p>
+            <a:endParaRPr lang="en-US" dirty="0"/>
+          </a:p>
+        </p:txBody>
+      </p:sp>
+      <p:sp>
+        <p:nvSpPr>
+          <p:cNvPr id="4" name="Slide Number Placeholder 3">
+            <a:extLst>
+              <a:ext uri="{FF2B5EF4-FFF2-40B4-BE49-F238E27FC236}">
+                <a16:creationId xmlns:a16="http://schemas.microsoft.com/office/drawing/2014/main" id="{3040746D-FB72-D1BD-0C27-682748099784}"/>
+              </a:ext>
+            </a:extLst>
+          </p:cNvPr>
+          <p:cNvSpPr>
+            <a:spLocks noGrp="1"/>
+          </p:cNvSpPr>
+          <p:nvPr>
+            <p:ph type="sldNum" sz="quarter" idx="5"/>
+          </p:nvPr>
+        </p:nvSpPr>
+        <p:spPr/>
+        <p:txBody>
+          <a:bodyPr/>
+          <a:lstStyle/>
+          <a:p>
+            <a:fld id="{BF687E30-B67E-4869-B766-5FF8F15F5C5C}" type="slidenum">
+              <a:rPr lang="en-US" smtClean="0"/>
+              <a:t>17</a:t>
+            </a:fld>
+            <a:endParaRPr lang="en-US"/>
+          </a:p>
+        </p:txBody>
+      </p:sp>
+    </p:spTree>
+    <p:extLst>
+      <p:ext uri="{BB962C8B-B14F-4D97-AF65-F5344CB8AC3E}">
+        <p14:creationId xmlns:p14="http://schemas.microsoft.com/office/powerpoint/2010/main" val="59310132"/>
+      </p:ext>
+    </p:extLst>
+  </p:cSld>
+  <p:clrMapOvr>
+    <a:masterClrMapping/>
+  </p:clrMapOvr>
+</p:notes>
+</file>
+
+<file path=ppt/notesSlides/notesSlide17.xml><?xml version="1.0" encoding="utf-8"?>
+<p:notes xmlns:a="http://schemas.openxmlformats.org/drawingml/2006/main" xmlns:r="http://schemas.openxmlformats.org/officeDocument/2006/relationships" xmlns:p="http://schemas.openxmlformats.org/presentationml/2006/main">
+  <p:cSld>
+    <p:spTree>
+      <p:nvGrpSpPr>
+        <p:cNvPr id="1" name="">
+          <a:extLst>
+            <a:ext uri="{FF2B5EF4-FFF2-40B4-BE49-F238E27FC236}">
+              <a16:creationId xmlns:a16="http://schemas.microsoft.com/office/drawing/2014/main" id="{0BF9B631-42C3-ABBC-B251-44E4D3E3324B}"/>
+            </a:ext>
+          </a:extLst>
+        </p:cNvPr>
+        <p:cNvGrpSpPr/>
+        <p:nvPr/>
+      </p:nvGrpSpPr>
+      <p:grpSpPr>
+        <a:xfrm>
+          <a:off x="0" y="0"/>
+          <a:ext cx="0" cy="0"/>
+          <a:chOff x="0" y="0"/>
+          <a:chExt cx="0" cy="0"/>
+        </a:xfrm>
+      </p:grpSpPr>
+      <p:sp>
+        <p:nvSpPr>
+          <p:cNvPr id="2" name="Slide Image Placeholder 1">
+            <a:extLst>
+              <a:ext uri="{FF2B5EF4-FFF2-40B4-BE49-F238E27FC236}">
+                <a16:creationId xmlns:a16="http://schemas.microsoft.com/office/drawing/2014/main" id="{92E5A066-7ECC-3142-258F-B11459BD9FD2}"/>
+              </a:ext>
+            </a:extLst>
+          </p:cNvPr>
+          <p:cNvSpPr>
+            <a:spLocks noGrp="1" noRot="1" noChangeAspect="1"/>
+          </p:cNvSpPr>
+          <p:nvPr>
+            <p:ph type="sldImg"/>
+          </p:nvPr>
+        </p:nvSpPr>
+        <p:spPr/>
+      </p:sp>
+      <p:sp>
+        <p:nvSpPr>
+          <p:cNvPr id="3" name="Notes Placeholder 2">
+            <a:extLst>
+              <a:ext uri="{FF2B5EF4-FFF2-40B4-BE49-F238E27FC236}">
+                <a16:creationId xmlns:a16="http://schemas.microsoft.com/office/drawing/2014/main" id="{79A70C15-31BD-8F28-F781-60723570C1EC}"/>
+              </a:ext>
+            </a:extLst>
+          </p:cNvPr>
+          <p:cNvSpPr>
+            <a:spLocks noGrp="1"/>
+          </p:cNvSpPr>
+          <p:nvPr>
+            <p:ph type="body" idx="1"/>
+          </p:nvPr>
+        </p:nvSpPr>
+        <p:spPr/>
+        <p:txBody>
+          <a:bodyPr/>
+          <a:lstStyle/>
+          <a:p>
+            <a:endParaRPr lang="en-US" dirty="0"/>
+          </a:p>
+        </p:txBody>
+      </p:sp>
+      <p:sp>
+        <p:nvSpPr>
+          <p:cNvPr id="4" name="Slide Number Placeholder 3">
+            <a:extLst>
+              <a:ext uri="{FF2B5EF4-FFF2-40B4-BE49-F238E27FC236}">
+                <a16:creationId xmlns:a16="http://schemas.microsoft.com/office/drawing/2014/main" id="{EA464F4A-8046-FD41-6FC2-AFE7243D451F}"/>
+              </a:ext>
+            </a:extLst>
+          </p:cNvPr>
+          <p:cNvSpPr>
+            <a:spLocks noGrp="1"/>
+          </p:cNvSpPr>
+          <p:nvPr>
+            <p:ph type="sldNum" sz="quarter" idx="5"/>
+          </p:nvPr>
+        </p:nvSpPr>
+        <p:spPr/>
+        <p:txBody>
+          <a:bodyPr/>
+          <a:lstStyle/>
+          <a:p>
+            <a:fld id="{BF687E30-B67E-4869-B766-5FF8F15F5C5C}" type="slidenum">
+              <a:rPr lang="en-US" smtClean="0"/>
+              <a:t>18</a:t>
+            </a:fld>
+            <a:endParaRPr lang="en-US"/>
+          </a:p>
+        </p:txBody>
+      </p:sp>
+    </p:spTree>
+    <p:extLst>
+      <p:ext uri="{BB962C8B-B14F-4D97-AF65-F5344CB8AC3E}">
+        <p14:creationId xmlns:p14="http://schemas.microsoft.com/office/powerpoint/2010/main" val="1103636124"/>
+      </p:ext>
+    </p:extLst>
+  </p:cSld>
+  <p:clrMapOvr>
+    <a:masterClrMapping/>
+  </p:clrMapOvr>
+</p:notes>
+</file>
+
+<file path=ppt/notesSlides/notesSlide18.xml><?xml version="1.0" encoding="utf-8"?>
+<p:notes xmlns:a="http://schemas.openxmlformats.org/drawingml/2006/main" xmlns:r="http://schemas.openxmlformats.org/officeDocument/2006/relationships" xmlns:p="http://schemas.openxmlformats.org/presentationml/2006/main">
+  <p:cSld>
+    <p:spTree>
+      <p:nvGrpSpPr>
+        <p:cNvPr id="1" name="">
+          <a:extLst>
+            <a:ext uri="{FF2B5EF4-FFF2-40B4-BE49-F238E27FC236}">
+              <a16:creationId xmlns:a16="http://schemas.microsoft.com/office/drawing/2014/main" id="{AF609E26-7CB2-957F-1E0B-DB2F810ACF93}"/>
+            </a:ext>
+          </a:extLst>
+        </p:cNvPr>
+        <p:cNvGrpSpPr/>
+        <p:nvPr/>
+      </p:nvGrpSpPr>
+      <p:grpSpPr>
+        <a:xfrm>
+          <a:off x="0" y="0"/>
+          <a:ext cx="0" cy="0"/>
+          <a:chOff x="0" y="0"/>
+          <a:chExt cx="0" cy="0"/>
+        </a:xfrm>
+      </p:grpSpPr>
+      <p:sp>
+        <p:nvSpPr>
+          <p:cNvPr id="2" name="Slide Image Placeholder 1">
+            <a:extLst>
+              <a:ext uri="{FF2B5EF4-FFF2-40B4-BE49-F238E27FC236}">
+                <a16:creationId xmlns:a16="http://schemas.microsoft.com/office/drawing/2014/main" id="{BE6600C0-A9F4-8BE7-4CB9-56D79C4CFF37}"/>
+              </a:ext>
+            </a:extLst>
+          </p:cNvPr>
+          <p:cNvSpPr>
+            <a:spLocks noGrp="1" noRot="1" noChangeAspect="1"/>
+          </p:cNvSpPr>
+          <p:nvPr>
+            <p:ph type="sldImg"/>
+          </p:nvPr>
+        </p:nvSpPr>
+        <p:spPr/>
+      </p:sp>
+      <p:sp>
+        <p:nvSpPr>
+          <p:cNvPr id="3" name="Notes Placeholder 2">
+            <a:extLst>
+              <a:ext uri="{FF2B5EF4-FFF2-40B4-BE49-F238E27FC236}">
+                <a16:creationId xmlns:a16="http://schemas.microsoft.com/office/drawing/2014/main" id="{EC2608E0-EF99-A60D-B3F9-B834C627B7C5}"/>
+              </a:ext>
+            </a:extLst>
+          </p:cNvPr>
+          <p:cNvSpPr>
+            <a:spLocks noGrp="1"/>
+          </p:cNvSpPr>
+          <p:nvPr>
+            <p:ph type="body" idx="1"/>
+          </p:nvPr>
+        </p:nvSpPr>
+        <p:spPr/>
+        <p:txBody>
+          <a:bodyPr/>
+          <a:lstStyle/>
+          <a:p>
+            <a:endParaRPr lang="en-US" dirty="0"/>
+          </a:p>
+        </p:txBody>
+      </p:sp>
+      <p:sp>
+        <p:nvSpPr>
+          <p:cNvPr id="4" name="Slide Number Placeholder 3">
+            <a:extLst>
+              <a:ext uri="{FF2B5EF4-FFF2-40B4-BE49-F238E27FC236}">
+                <a16:creationId xmlns:a16="http://schemas.microsoft.com/office/drawing/2014/main" id="{96C10F4E-78CD-41DC-4793-38C18F9F3A66}"/>
+              </a:ext>
+            </a:extLst>
+          </p:cNvPr>
+          <p:cNvSpPr>
+            <a:spLocks noGrp="1"/>
+          </p:cNvSpPr>
+          <p:nvPr>
+            <p:ph type="sldNum" sz="quarter" idx="5"/>
+          </p:nvPr>
+        </p:nvSpPr>
+        <p:spPr/>
+        <p:txBody>
+          <a:bodyPr/>
+          <a:lstStyle/>
+          <a:p>
+            <a:fld id="{BF687E30-B67E-4869-B766-5FF8F15F5C5C}" type="slidenum">
+              <a:rPr lang="en-US" smtClean="0"/>
+              <a:t>19</a:t>
+            </a:fld>
+            <a:endParaRPr lang="en-US"/>
+          </a:p>
+        </p:txBody>
+      </p:sp>
+    </p:spTree>
+    <p:extLst>
+      <p:ext uri="{BB962C8B-B14F-4D97-AF65-F5344CB8AC3E}">
+        <p14:creationId xmlns:p14="http://schemas.microsoft.com/office/powerpoint/2010/main" val="3458532375"/>
+      </p:ext>
+    </p:extLst>
+  </p:cSld>
+  <p:clrMapOvr>
+    <a:masterClrMapping/>
+  </p:clrMapOvr>
+</p:notes>
+</file>
+
+<file path=ppt/notesSlides/notesSlide19.xml><?xml version="1.0" encoding="utf-8"?>
+<p:notes xmlns:a="http://schemas.openxmlformats.org/drawingml/2006/main" xmlns:r="http://schemas.openxmlformats.org/officeDocument/2006/relationships" xmlns:p="http://schemas.openxmlformats.org/presentationml/2006/main">
+  <p:cSld>
+    <p:spTree>
+      <p:nvGrpSpPr>
+        <p:cNvPr id="1" name="">
+          <a:extLst>
+            <a:ext uri="{FF2B5EF4-FFF2-40B4-BE49-F238E27FC236}">
+              <a16:creationId xmlns:a16="http://schemas.microsoft.com/office/drawing/2014/main" id="{6FD29365-48E5-D8A1-5952-55A4A073A0EC}"/>
+            </a:ext>
+          </a:extLst>
+        </p:cNvPr>
+        <p:cNvGrpSpPr/>
+        <p:nvPr/>
+      </p:nvGrpSpPr>
+      <p:grpSpPr>
+        <a:xfrm>
+          <a:off x="0" y="0"/>
+          <a:ext cx="0" cy="0"/>
+          <a:chOff x="0" y="0"/>
+          <a:chExt cx="0" cy="0"/>
+        </a:xfrm>
+      </p:grpSpPr>
+      <p:sp>
+        <p:nvSpPr>
+          <p:cNvPr id="2" name="Slide Image Placeholder 1">
+            <a:extLst>
+              <a:ext uri="{FF2B5EF4-FFF2-40B4-BE49-F238E27FC236}">
+                <a16:creationId xmlns:a16="http://schemas.microsoft.com/office/drawing/2014/main" id="{8EACA562-D5A6-B5B0-266D-66806A7973A8}"/>
+              </a:ext>
+            </a:extLst>
+          </p:cNvPr>
+          <p:cNvSpPr>
+            <a:spLocks noGrp="1" noRot="1" noChangeAspect="1"/>
+          </p:cNvSpPr>
+          <p:nvPr>
+            <p:ph type="sldImg"/>
+          </p:nvPr>
+        </p:nvSpPr>
+        <p:spPr/>
+      </p:sp>
+      <p:sp>
+        <p:nvSpPr>
+          <p:cNvPr id="3" name="Notes Placeholder 2">
+            <a:extLst>
+              <a:ext uri="{FF2B5EF4-FFF2-40B4-BE49-F238E27FC236}">
+                <a16:creationId xmlns:a16="http://schemas.microsoft.com/office/drawing/2014/main" id="{49F5468D-870C-9909-2FA8-051C76B2F518}"/>
+              </a:ext>
+            </a:extLst>
+          </p:cNvPr>
+          <p:cNvSpPr>
+            <a:spLocks noGrp="1"/>
+          </p:cNvSpPr>
+          <p:nvPr>
+            <p:ph type="body" idx="1"/>
+          </p:nvPr>
+        </p:nvSpPr>
+        <p:spPr/>
+        <p:txBody>
+          <a:bodyPr/>
+          <a:lstStyle/>
+          <a:p>
+            <a:endParaRPr lang="en-US" dirty="0"/>
+          </a:p>
+        </p:txBody>
+      </p:sp>
+      <p:sp>
+        <p:nvSpPr>
+          <p:cNvPr id="4" name="Slide Number Placeholder 3">
+            <a:extLst>
+              <a:ext uri="{FF2B5EF4-FFF2-40B4-BE49-F238E27FC236}">
+                <a16:creationId xmlns:a16="http://schemas.microsoft.com/office/drawing/2014/main" id="{58FE4514-E38C-1B14-ED0F-AAE418BECA8F}"/>
+              </a:ext>
+            </a:extLst>
+          </p:cNvPr>
+          <p:cNvSpPr>
+            <a:spLocks noGrp="1"/>
+          </p:cNvSpPr>
+          <p:nvPr>
+            <p:ph type="sldNum" sz="quarter" idx="5"/>
+          </p:nvPr>
+        </p:nvSpPr>
+        <p:spPr/>
+        <p:txBody>
+          <a:bodyPr/>
+          <a:lstStyle/>
+          <a:p>
+            <a:fld id="{BF687E30-B67E-4869-B766-5FF8F15F5C5C}" type="slidenum">
+              <a:rPr lang="en-US" smtClean="0"/>
+              <a:t>20</a:t>
+            </a:fld>
+            <a:endParaRPr lang="en-US"/>
+          </a:p>
+        </p:txBody>
+      </p:sp>
+    </p:spTree>
+    <p:extLst>
+      <p:ext uri="{BB962C8B-B14F-4D97-AF65-F5344CB8AC3E}">
+        <p14:creationId xmlns:p14="http://schemas.microsoft.com/office/powerpoint/2010/main" val="3554622707"/>
+      </p:ext>
+    </p:extLst>
+  </p:cSld>
+  <p:clrMapOvr>
+    <a:masterClrMapping/>
+  </p:clrMapOvr>
+</p:notes>
+</file>
+
 <file path=ppt/notesSlides/notesSlide2.xml><?xml version="1.0" encoding="utf-8"?>
+<p:notes xmlns:a="http://schemas.openxmlformats.org/drawingml/2006/main" xmlns:r="http://schemas.openxmlformats.org/officeDocument/2006/relationships" xmlns:p="http://schemas.openxmlformats.org/presentationml/2006/main">
+  <p:cSld>
+    <p:spTree>
+      <p:nvGrpSpPr>
+        <p:cNvPr id="1" name="">
+          <a:extLst>
+            <a:ext uri="{FF2B5EF4-FFF2-40B4-BE49-F238E27FC236}">
+              <a16:creationId xmlns:a16="http://schemas.microsoft.com/office/drawing/2014/main" id="{C637BBAB-18C2-3E8A-5FED-0C5076CA04A3}"/>
+            </a:ext>
+          </a:extLst>
+        </p:cNvPr>
+        <p:cNvGrpSpPr/>
+        <p:nvPr/>
+      </p:nvGrpSpPr>
+      <p:grpSpPr>
+        <a:xfrm>
+          <a:off x="0" y="0"/>
+          <a:ext cx="0" cy="0"/>
+          <a:chOff x="0" y="0"/>
+          <a:chExt cx="0" cy="0"/>
+        </a:xfrm>
+      </p:grpSpPr>
+      <p:sp>
+        <p:nvSpPr>
+          <p:cNvPr id="2" name="Slide Image Placeholder 1">
+            <a:extLst>
+              <a:ext uri="{FF2B5EF4-FFF2-40B4-BE49-F238E27FC236}">
+                <a16:creationId xmlns:a16="http://schemas.microsoft.com/office/drawing/2014/main" id="{9D364E13-4A4D-BDC9-7205-5F968CBE0AB6}"/>
+              </a:ext>
+            </a:extLst>
+          </p:cNvPr>
+          <p:cNvSpPr>
+            <a:spLocks noGrp="1" noRot="1" noChangeAspect="1"/>
+          </p:cNvSpPr>
+          <p:nvPr>
+            <p:ph type="sldImg"/>
+          </p:nvPr>
+        </p:nvSpPr>
+        <p:spPr/>
+      </p:sp>
+      <p:sp>
+        <p:nvSpPr>
+          <p:cNvPr id="3" name="Notes Placeholder 2">
+            <a:extLst>
+              <a:ext uri="{FF2B5EF4-FFF2-40B4-BE49-F238E27FC236}">
+                <a16:creationId xmlns:a16="http://schemas.microsoft.com/office/drawing/2014/main" id="{946875DA-142B-D888-E541-8BFF3306E00F}"/>
+              </a:ext>
+            </a:extLst>
+          </p:cNvPr>
+          <p:cNvSpPr>
+            <a:spLocks noGrp="1"/>
+          </p:cNvSpPr>
+          <p:nvPr>
+            <p:ph type="body" idx="1"/>
+          </p:nvPr>
+        </p:nvSpPr>
+        <p:spPr/>
+        <p:txBody>
+          <a:bodyPr/>
+          <a:lstStyle/>
+          <a:p>
+            <a:endParaRPr lang="en-US" dirty="0"/>
+          </a:p>
+        </p:txBody>
+      </p:sp>
+      <p:sp>
+        <p:nvSpPr>
+          <p:cNvPr id="4" name="Slide Number Placeholder 3">
+            <a:extLst>
+              <a:ext uri="{FF2B5EF4-FFF2-40B4-BE49-F238E27FC236}">
+                <a16:creationId xmlns:a16="http://schemas.microsoft.com/office/drawing/2014/main" id="{427B8854-5600-13CC-FEC4-CE75FD63CE9A}"/>
+              </a:ext>
+            </a:extLst>
+          </p:cNvPr>
+          <p:cNvSpPr>
+            <a:spLocks noGrp="1"/>
+          </p:cNvSpPr>
+          <p:nvPr>
+            <p:ph type="sldNum" sz="quarter" idx="5"/>
+          </p:nvPr>
+        </p:nvSpPr>
+        <p:spPr/>
+        <p:txBody>
+          <a:bodyPr/>
+          <a:lstStyle/>
+          <a:p>
+            <a:fld id="{BF687E30-B67E-4869-B766-5FF8F15F5C5C}" type="slidenum">
+              <a:rPr lang="en-US" smtClean="0"/>
+              <a:t>3</a:t>
+            </a:fld>
+            <a:endParaRPr lang="en-US"/>
+          </a:p>
+        </p:txBody>
+      </p:sp>
+    </p:spTree>
+    <p:extLst>
+      <p:ext uri="{BB962C8B-B14F-4D97-AF65-F5344CB8AC3E}">
+        <p14:creationId xmlns:p14="http://schemas.microsoft.com/office/powerpoint/2010/main" val="3870303132"/>
+      </p:ext>
+    </p:extLst>
+  </p:cSld>
+  <p:clrMapOvr>
+    <a:masterClrMapping/>
+  </p:clrMapOvr>
+</p:notes>
+</file>
+
+<file path=ppt/notesSlides/notesSlide20.xml><?xml version="1.0" encoding="utf-8"?>
+<p:notes xmlns:a="http://schemas.openxmlformats.org/drawingml/2006/main" xmlns:r="http://schemas.openxmlformats.org/officeDocument/2006/relationships" xmlns:p="http://schemas.openxmlformats.org/presentationml/2006/main">
+  <p:cSld>
+    <p:spTree>
+      <p:nvGrpSpPr>
+        <p:cNvPr id="1" name="">
+          <a:extLst>
+            <a:ext uri="{FF2B5EF4-FFF2-40B4-BE49-F238E27FC236}">
+              <a16:creationId xmlns:a16="http://schemas.microsoft.com/office/drawing/2014/main" id="{C8561041-9211-FB46-3EDD-7011A507B84D}"/>
+            </a:ext>
+          </a:extLst>
+        </p:cNvPr>
+        <p:cNvGrpSpPr/>
+        <p:nvPr/>
+      </p:nvGrpSpPr>
+      <p:grpSpPr>
+        <a:xfrm>
+          <a:off x="0" y="0"/>
+          <a:ext cx="0" cy="0"/>
+          <a:chOff x="0" y="0"/>
+          <a:chExt cx="0" cy="0"/>
+        </a:xfrm>
+      </p:grpSpPr>
+      <p:sp>
+        <p:nvSpPr>
+          <p:cNvPr id="2" name="Slide Image Placeholder 1">
+            <a:extLst>
+              <a:ext uri="{FF2B5EF4-FFF2-40B4-BE49-F238E27FC236}">
+                <a16:creationId xmlns:a16="http://schemas.microsoft.com/office/drawing/2014/main" id="{236E4FD2-C440-0FBE-40A1-A7DCDCC7339C}"/>
+              </a:ext>
+            </a:extLst>
+          </p:cNvPr>
+          <p:cNvSpPr>
+            <a:spLocks noGrp="1" noRot="1" noChangeAspect="1"/>
+          </p:cNvSpPr>
+          <p:nvPr>
+            <p:ph type="sldImg"/>
+          </p:nvPr>
+        </p:nvSpPr>
+        <p:spPr/>
+      </p:sp>
+      <p:sp>
+        <p:nvSpPr>
+          <p:cNvPr id="3" name="Notes Placeholder 2">
+            <a:extLst>
+              <a:ext uri="{FF2B5EF4-FFF2-40B4-BE49-F238E27FC236}">
+                <a16:creationId xmlns:a16="http://schemas.microsoft.com/office/drawing/2014/main" id="{6601CC33-2CE4-2D54-9A76-FC443F5C7C70}"/>
+              </a:ext>
+            </a:extLst>
+          </p:cNvPr>
+          <p:cNvSpPr>
+            <a:spLocks noGrp="1"/>
+          </p:cNvSpPr>
+          <p:nvPr>
+            <p:ph type="body" idx="1"/>
+          </p:nvPr>
+        </p:nvSpPr>
+        <p:spPr/>
+        <p:txBody>
+          <a:bodyPr/>
+          <a:lstStyle/>
+          <a:p>
+            <a:endParaRPr lang="en-US" dirty="0"/>
+          </a:p>
+        </p:txBody>
+      </p:sp>
+      <p:sp>
+        <p:nvSpPr>
+          <p:cNvPr id="4" name="Slide Number Placeholder 3">
+            <a:extLst>
+              <a:ext uri="{FF2B5EF4-FFF2-40B4-BE49-F238E27FC236}">
+                <a16:creationId xmlns:a16="http://schemas.microsoft.com/office/drawing/2014/main" id="{E1B01B87-FDD7-A631-D035-50954DBE93F3}"/>
+              </a:ext>
+            </a:extLst>
+          </p:cNvPr>
+          <p:cNvSpPr>
+            <a:spLocks noGrp="1"/>
+          </p:cNvSpPr>
+          <p:nvPr>
+            <p:ph type="sldNum" sz="quarter" idx="5"/>
+          </p:nvPr>
+        </p:nvSpPr>
+        <p:spPr/>
+        <p:txBody>
+          <a:bodyPr/>
+          <a:lstStyle/>
+          <a:p>
+            <a:fld id="{BF687E30-B67E-4869-B766-5FF8F15F5C5C}" type="slidenum">
+              <a:rPr lang="en-US" smtClean="0"/>
+              <a:t>21</a:t>
+            </a:fld>
+            <a:endParaRPr lang="en-US"/>
+          </a:p>
+        </p:txBody>
+      </p:sp>
+    </p:spTree>
+    <p:extLst>
+      <p:ext uri="{BB962C8B-B14F-4D97-AF65-F5344CB8AC3E}">
+        <p14:creationId xmlns:p14="http://schemas.microsoft.com/office/powerpoint/2010/main" val="3806109247"/>
+      </p:ext>
+    </p:extLst>
+  </p:cSld>
+  <p:clrMapOvr>
+    <a:masterClrMapping/>
+  </p:clrMapOvr>
+</p:notes>
+</file>
+
+<file path=ppt/notesSlides/notesSlide21.xml><?xml version="1.0" encoding="utf-8"?>
+<p:notes xmlns:a="http://schemas.openxmlformats.org/drawingml/2006/main" xmlns:r="http://schemas.openxmlformats.org/officeDocument/2006/relationships" xmlns:p="http://schemas.openxmlformats.org/presentationml/2006/main">
+  <p:cSld>
+    <p:spTree>
+      <p:nvGrpSpPr>
+        <p:cNvPr id="1" name="">
+          <a:extLst>
+            <a:ext uri="{FF2B5EF4-FFF2-40B4-BE49-F238E27FC236}">
+              <a16:creationId xmlns:a16="http://schemas.microsoft.com/office/drawing/2014/main" id="{A2D47924-EB3A-505B-AC7C-ACA727713576}"/>
+            </a:ext>
+          </a:extLst>
+        </p:cNvPr>
+        <p:cNvGrpSpPr/>
+        <p:nvPr/>
+      </p:nvGrpSpPr>
+      <p:grpSpPr>
+        <a:xfrm>
+          <a:off x="0" y="0"/>
+          <a:ext cx="0" cy="0"/>
+          <a:chOff x="0" y="0"/>
+          <a:chExt cx="0" cy="0"/>
+        </a:xfrm>
+      </p:grpSpPr>
+      <p:sp>
+        <p:nvSpPr>
+          <p:cNvPr id="2" name="Slide Image Placeholder 1">
+            <a:extLst>
+              <a:ext uri="{FF2B5EF4-FFF2-40B4-BE49-F238E27FC236}">
+                <a16:creationId xmlns:a16="http://schemas.microsoft.com/office/drawing/2014/main" id="{5FE5F8E0-7BC1-30C9-DCD7-F46BCA7D1114}"/>
+              </a:ext>
+            </a:extLst>
+          </p:cNvPr>
+          <p:cNvSpPr>
+            <a:spLocks noGrp="1" noRot="1" noChangeAspect="1"/>
+          </p:cNvSpPr>
+          <p:nvPr>
+            <p:ph type="sldImg"/>
+          </p:nvPr>
+        </p:nvSpPr>
+        <p:spPr/>
+      </p:sp>
+      <p:sp>
+        <p:nvSpPr>
+          <p:cNvPr id="3" name="Notes Placeholder 2">
+            <a:extLst>
+              <a:ext uri="{FF2B5EF4-FFF2-40B4-BE49-F238E27FC236}">
+                <a16:creationId xmlns:a16="http://schemas.microsoft.com/office/drawing/2014/main" id="{FD6B2EFA-0E33-7E13-9B3F-4FB6689662C9}"/>
+              </a:ext>
+            </a:extLst>
+          </p:cNvPr>
+          <p:cNvSpPr>
+            <a:spLocks noGrp="1"/>
+          </p:cNvSpPr>
+          <p:nvPr>
+            <p:ph type="body" idx="1"/>
+          </p:nvPr>
+        </p:nvSpPr>
+        <p:spPr/>
+        <p:txBody>
+          <a:bodyPr/>
+          <a:lstStyle/>
+          <a:p>
+            <a:endParaRPr lang="en-US" dirty="0"/>
+          </a:p>
+        </p:txBody>
+      </p:sp>
+      <p:sp>
+        <p:nvSpPr>
+          <p:cNvPr id="4" name="Slide Number Placeholder 3">
+            <a:extLst>
+              <a:ext uri="{FF2B5EF4-FFF2-40B4-BE49-F238E27FC236}">
+                <a16:creationId xmlns:a16="http://schemas.microsoft.com/office/drawing/2014/main" id="{E5896873-5ECE-518E-3721-2DD1E407F5F0}"/>
+              </a:ext>
+            </a:extLst>
+          </p:cNvPr>
+          <p:cNvSpPr>
+            <a:spLocks noGrp="1"/>
+          </p:cNvSpPr>
+          <p:nvPr>
+            <p:ph type="sldNum" sz="quarter" idx="5"/>
+          </p:nvPr>
+        </p:nvSpPr>
+        <p:spPr/>
+        <p:txBody>
+          <a:bodyPr/>
+          <a:lstStyle/>
+          <a:p>
+            <a:fld id="{BF687E30-B67E-4869-B766-5FF8F15F5C5C}" type="slidenum">
+              <a:rPr lang="en-US" smtClean="0"/>
+              <a:t>22</a:t>
+            </a:fld>
+            <a:endParaRPr lang="en-US"/>
+          </a:p>
+        </p:txBody>
+      </p:sp>
+    </p:spTree>
+    <p:extLst>
+      <p:ext uri="{BB962C8B-B14F-4D97-AF65-F5344CB8AC3E}">
+        <p14:creationId xmlns:p14="http://schemas.microsoft.com/office/powerpoint/2010/main" val="571877903"/>
+      </p:ext>
+    </p:extLst>
+  </p:cSld>
+  <p:clrMapOvr>
+    <a:masterClrMapping/>
+  </p:clrMapOvr>
+</p:notes>
+</file>
+
+<file path=ppt/notesSlides/notesSlide3.xml><?xml version="1.0" encoding="utf-8"?>
 <p:notes xmlns:a="http://schemas.openxmlformats.org/drawingml/2006/main" xmlns:r="http://schemas.openxmlformats.org/officeDocument/2006/relationships" xmlns:p="http://schemas.openxmlformats.org/presentationml/2006/main">
   <p:cSld>
     <p:spTree>
@@ -642,7 +2062,7 @@
           <a:p>
             <a:fld id="{BF687E30-B67E-4869-B766-5FF8F15F5C5C}" type="slidenum">
               <a:rPr lang="en-US" smtClean="0"/>
-              <a:t>3</a:t>
+              <a:t>4</a:t>
             </a:fld>
             <a:endParaRPr lang="en-US"/>
           </a:p>
@@ -661,7 +2081,7 @@
 </p:notes>
 </file>
 
-<file path=ppt/notesSlides/notesSlide3.xml><?xml version="1.0" encoding="utf-8"?>
+<file path=ppt/notesSlides/notesSlide4.xml><?xml version="1.0" encoding="utf-8"?>
 <p:notes xmlns:a="http://schemas.openxmlformats.org/drawingml/2006/main" xmlns:r="http://schemas.openxmlformats.org/officeDocument/2006/relationships" xmlns:p="http://schemas.openxmlformats.org/presentationml/2006/main">
   <p:cSld>
     <p:spTree>
@@ -750,7 +2170,7 @@
           <a:p>
             <a:fld id="{BF687E30-B67E-4869-B766-5FF8F15F5C5C}" type="slidenum">
               <a:rPr lang="en-US" smtClean="0"/>
-              <a:t>4</a:t>
+              <a:t>5</a:t>
             </a:fld>
             <a:endParaRPr lang="en-US"/>
           </a:p>
@@ -769,7 +2189,7 @@
 </p:notes>
 </file>
 
-<file path=ppt/notesSlides/notesSlide4.xml><?xml version="1.0" encoding="utf-8"?>
+<file path=ppt/notesSlides/notesSlide5.xml><?xml version="1.0" encoding="utf-8"?>
 <p:notes xmlns:a="http://schemas.openxmlformats.org/drawingml/2006/main" xmlns:r="http://schemas.openxmlformats.org/officeDocument/2006/relationships" xmlns:p="http://schemas.openxmlformats.org/presentationml/2006/main">
   <p:cSld>
     <p:spTree>
@@ -858,7 +2278,7 @@
           <a:p>
             <a:fld id="{BF687E30-B67E-4869-B766-5FF8F15F5C5C}" type="slidenum">
               <a:rPr lang="en-US" smtClean="0"/>
-              <a:t>5</a:t>
+              <a:t>6</a:t>
             </a:fld>
             <a:endParaRPr lang="en-US"/>
           </a:p>
@@ -877,7 +2297,7 @@
 </p:notes>
 </file>
 
-<file path=ppt/notesSlides/notesSlide5.xml><?xml version="1.0" encoding="utf-8"?>
+<file path=ppt/notesSlides/notesSlide6.xml><?xml version="1.0" encoding="utf-8"?>
 <p:notes xmlns:a="http://schemas.openxmlformats.org/drawingml/2006/main" xmlns:r="http://schemas.openxmlformats.org/officeDocument/2006/relationships" xmlns:p="http://schemas.openxmlformats.org/presentationml/2006/main">
   <p:cSld>
     <p:spTree>
@@ -966,7 +2386,7 @@
           <a:p>
             <a:fld id="{BF687E30-B67E-4869-B766-5FF8F15F5C5C}" type="slidenum">
               <a:rPr lang="en-US" smtClean="0"/>
-              <a:t>6</a:t>
+              <a:t>7</a:t>
             </a:fld>
             <a:endParaRPr lang="en-US"/>
           </a:p>
@@ -976,6 +2396,330 @@
     <p:extLst>
       <p:ext uri="{BB962C8B-B14F-4D97-AF65-F5344CB8AC3E}">
         <p14:creationId xmlns:p14="http://schemas.microsoft.com/office/powerpoint/2010/main" val="3594674366"/>
+      </p:ext>
+    </p:extLst>
+  </p:cSld>
+  <p:clrMapOvr>
+    <a:masterClrMapping/>
+  </p:clrMapOvr>
+</p:notes>
+</file>
+
+<file path=ppt/notesSlides/notesSlide7.xml><?xml version="1.0" encoding="utf-8"?>
+<p:notes xmlns:a="http://schemas.openxmlformats.org/drawingml/2006/main" xmlns:r="http://schemas.openxmlformats.org/officeDocument/2006/relationships" xmlns:p="http://schemas.openxmlformats.org/presentationml/2006/main">
+  <p:cSld>
+    <p:spTree>
+      <p:nvGrpSpPr>
+        <p:cNvPr id="1" name="">
+          <a:extLst>
+            <a:ext uri="{FF2B5EF4-FFF2-40B4-BE49-F238E27FC236}">
+              <a16:creationId xmlns:a16="http://schemas.microsoft.com/office/drawing/2014/main" id="{F2625F8A-CC8E-2630-56B2-31100573AC03}"/>
+            </a:ext>
+          </a:extLst>
+        </p:cNvPr>
+        <p:cNvGrpSpPr/>
+        <p:nvPr/>
+      </p:nvGrpSpPr>
+      <p:grpSpPr>
+        <a:xfrm>
+          <a:off x="0" y="0"/>
+          <a:ext cx="0" cy="0"/>
+          <a:chOff x="0" y="0"/>
+          <a:chExt cx="0" cy="0"/>
+        </a:xfrm>
+      </p:grpSpPr>
+      <p:sp>
+        <p:nvSpPr>
+          <p:cNvPr id="2" name="Slide Image Placeholder 1">
+            <a:extLst>
+              <a:ext uri="{FF2B5EF4-FFF2-40B4-BE49-F238E27FC236}">
+                <a16:creationId xmlns:a16="http://schemas.microsoft.com/office/drawing/2014/main" id="{5B6FDA3D-86DB-06B9-36C5-DDDDDA41A235}"/>
+              </a:ext>
+            </a:extLst>
+          </p:cNvPr>
+          <p:cNvSpPr>
+            <a:spLocks noGrp="1" noRot="1" noChangeAspect="1"/>
+          </p:cNvSpPr>
+          <p:nvPr>
+            <p:ph type="sldImg"/>
+          </p:nvPr>
+        </p:nvSpPr>
+        <p:spPr/>
+      </p:sp>
+      <p:sp>
+        <p:nvSpPr>
+          <p:cNvPr id="3" name="Notes Placeholder 2">
+            <a:extLst>
+              <a:ext uri="{FF2B5EF4-FFF2-40B4-BE49-F238E27FC236}">
+                <a16:creationId xmlns:a16="http://schemas.microsoft.com/office/drawing/2014/main" id="{FE1CC60F-268F-AF41-7A8B-FA865E555E49}"/>
+              </a:ext>
+            </a:extLst>
+          </p:cNvPr>
+          <p:cNvSpPr>
+            <a:spLocks noGrp="1"/>
+          </p:cNvSpPr>
+          <p:nvPr>
+            <p:ph type="body" idx="1"/>
+          </p:nvPr>
+        </p:nvSpPr>
+        <p:spPr/>
+        <p:txBody>
+          <a:bodyPr/>
+          <a:lstStyle/>
+          <a:p>
+            <a:endParaRPr lang="en-US" dirty="0"/>
+          </a:p>
+        </p:txBody>
+      </p:sp>
+      <p:sp>
+        <p:nvSpPr>
+          <p:cNvPr id="4" name="Slide Number Placeholder 3">
+            <a:extLst>
+              <a:ext uri="{FF2B5EF4-FFF2-40B4-BE49-F238E27FC236}">
+                <a16:creationId xmlns:a16="http://schemas.microsoft.com/office/drawing/2014/main" id="{1247487E-AD7D-09B4-155D-2A5CFF0C22ED}"/>
+              </a:ext>
+            </a:extLst>
+          </p:cNvPr>
+          <p:cNvSpPr>
+            <a:spLocks noGrp="1"/>
+          </p:cNvSpPr>
+          <p:nvPr>
+            <p:ph type="sldNum" sz="quarter" idx="5"/>
+          </p:nvPr>
+        </p:nvSpPr>
+        <p:spPr/>
+        <p:txBody>
+          <a:bodyPr/>
+          <a:lstStyle/>
+          <a:p>
+            <a:fld id="{BF687E30-B67E-4869-B766-5FF8F15F5C5C}" type="slidenum">
+              <a:rPr lang="en-US" smtClean="0"/>
+              <a:t>8</a:t>
+            </a:fld>
+            <a:endParaRPr lang="en-US"/>
+          </a:p>
+        </p:txBody>
+      </p:sp>
+    </p:spTree>
+    <p:extLst>
+      <p:ext uri="{BB962C8B-B14F-4D97-AF65-F5344CB8AC3E}">
+        <p14:creationId xmlns:p14="http://schemas.microsoft.com/office/powerpoint/2010/main" val="937282568"/>
+      </p:ext>
+    </p:extLst>
+  </p:cSld>
+  <p:clrMapOvr>
+    <a:masterClrMapping/>
+  </p:clrMapOvr>
+</p:notes>
+</file>
+
+<file path=ppt/notesSlides/notesSlide8.xml><?xml version="1.0" encoding="utf-8"?>
+<p:notes xmlns:a="http://schemas.openxmlformats.org/drawingml/2006/main" xmlns:r="http://schemas.openxmlformats.org/officeDocument/2006/relationships" xmlns:p="http://schemas.openxmlformats.org/presentationml/2006/main">
+  <p:cSld>
+    <p:spTree>
+      <p:nvGrpSpPr>
+        <p:cNvPr id="1" name="">
+          <a:extLst>
+            <a:ext uri="{FF2B5EF4-FFF2-40B4-BE49-F238E27FC236}">
+              <a16:creationId xmlns:a16="http://schemas.microsoft.com/office/drawing/2014/main" id="{728EF86F-3909-1541-D991-0AFED851C2C4}"/>
+            </a:ext>
+          </a:extLst>
+        </p:cNvPr>
+        <p:cNvGrpSpPr/>
+        <p:nvPr/>
+      </p:nvGrpSpPr>
+      <p:grpSpPr>
+        <a:xfrm>
+          <a:off x="0" y="0"/>
+          <a:ext cx="0" cy="0"/>
+          <a:chOff x="0" y="0"/>
+          <a:chExt cx="0" cy="0"/>
+        </a:xfrm>
+      </p:grpSpPr>
+      <p:sp>
+        <p:nvSpPr>
+          <p:cNvPr id="2" name="Slide Image Placeholder 1">
+            <a:extLst>
+              <a:ext uri="{FF2B5EF4-FFF2-40B4-BE49-F238E27FC236}">
+                <a16:creationId xmlns:a16="http://schemas.microsoft.com/office/drawing/2014/main" id="{BA5BF1E6-FBD3-C101-55BA-D7D2E680C026}"/>
+              </a:ext>
+            </a:extLst>
+          </p:cNvPr>
+          <p:cNvSpPr>
+            <a:spLocks noGrp="1" noRot="1" noChangeAspect="1"/>
+          </p:cNvSpPr>
+          <p:nvPr>
+            <p:ph type="sldImg"/>
+          </p:nvPr>
+        </p:nvSpPr>
+        <p:spPr/>
+      </p:sp>
+      <p:sp>
+        <p:nvSpPr>
+          <p:cNvPr id="3" name="Notes Placeholder 2">
+            <a:extLst>
+              <a:ext uri="{FF2B5EF4-FFF2-40B4-BE49-F238E27FC236}">
+                <a16:creationId xmlns:a16="http://schemas.microsoft.com/office/drawing/2014/main" id="{01FA77AF-82E4-A7F5-7D23-F23E7C7B4495}"/>
+              </a:ext>
+            </a:extLst>
+          </p:cNvPr>
+          <p:cNvSpPr>
+            <a:spLocks noGrp="1"/>
+          </p:cNvSpPr>
+          <p:nvPr>
+            <p:ph type="body" idx="1"/>
+          </p:nvPr>
+        </p:nvSpPr>
+        <p:spPr/>
+        <p:txBody>
+          <a:bodyPr/>
+          <a:lstStyle/>
+          <a:p>
+            <a:endParaRPr lang="en-US" dirty="0"/>
+          </a:p>
+        </p:txBody>
+      </p:sp>
+      <p:sp>
+        <p:nvSpPr>
+          <p:cNvPr id="4" name="Slide Number Placeholder 3">
+            <a:extLst>
+              <a:ext uri="{FF2B5EF4-FFF2-40B4-BE49-F238E27FC236}">
+                <a16:creationId xmlns:a16="http://schemas.microsoft.com/office/drawing/2014/main" id="{DAFFCBA0-BD8A-E413-9A39-D3CBB24D0170}"/>
+              </a:ext>
+            </a:extLst>
+          </p:cNvPr>
+          <p:cNvSpPr>
+            <a:spLocks noGrp="1"/>
+          </p:cNvSpPr>
+          <p:nvPr>
+            <p:ph type="sldNum" sz="quarter" idx="5"/>
+          </p:nvPr>
+        </p:nvSpPr>
+        <p:spPr/>
+        <p:txBody>
+          <a:bodyPr/>
+          <a:lstStyle/>
+          <a:p>
+            <a:fld id="{BF687E30-B67E-4869-B766-5FF8F15F5C5C}" type="slidenum">
+              <a:rPr lang="en-US" smtClean="0"/>
+              <a:t>9</a:t>
+            </a:fld>
+            <a:endParaRPr lang="en-US"/>
+          </a:p>
+        </p:txBody>
+      </p:sp>
+    </p:spTree>
+    <p:extLst>
+      <p:ext uri="{BB962C8B-B14F-4D97-AF65-F5344CB8AC3E}">
+        <p14:creationId xmlns:p14="http://schemas.microsoft.com/office/powerpoint/2010/main" val="574675033"/>
+      </p:ext>
+    </p:extLst>
+  </p:cSld>
+  <p:clrMapOvr>
+    <a:masterClrMapping/>
+  </p:clrMapOvr>
+</p:notes>
+</file>
+
+<file path=ppt/notesSlides/notesSlide9.xml><?xml version="1.0" encoding="utf-8"?>
+<p:notes xmlns:a="http://schemas.openxmlformats.org/drawingml/2006/main" xmlns:r="http://schemas.openxmlformats.org/officeDocument/2006/relationships" xmlns:p="http://schemas.openxmlformats.org/presentationml/2006/main">
+  <p:cSld>
+    <p:spTree>
+      <p:nvGrpSpPr>
+        <p:cNvPr id="1" name="">
+          <a:extLst>
+            <a:ext uri="{FF2B5EF4-FFF2-40B4-BE49-F238E27FC236}">
+              <a16:creationId xmlns:a16="http://schemas.microsoft.com/office/drawing/2014/main" id="{4FC080E3-A79F-AE93-6D3F-5B1A4F9A1199}"/>
+            </a:ext>
+          </a:extLst>
+        </p:cNvPr>
+        <p:cNvGrpSpPr/>
+        <p:nvPr/>
+      </p:nvGrpSpPr>
+      <p:grpSpPr>
+        <a:xfrm>
+          <a:off x="0" y="0"/>
+          <a:ext cx="0" cy="0"/>
+          <a:chOff x="0" y="0"/>
+          <a:chExt cx="0" cy="0"/>
+        </a:xfrm>
+      </p:grpSpPr>
+      <p:sp>
+        <p:nvSpPr>
+          <p:cNvPr id="2" name="Slide Image Placeholder 1">
+            <a:extLst>
+              <a:ext uri="{FF2B5EF4-FFF2-40B4-BE49-F238E27FC236}">
+                <a16:creationId xmlns:a16="http://schemas.microsoft.com/office/drawing/2014/main" id="{67A5D087-61E3-FDF5-DE00-31AD0D2FDE7D}"/>
+              </a:ext>
+            </a:extLst>
+          </p:cNvPr>
+          <p:cNvSpPr>
+            <a:spLocks noGrp="1" noRot="1" noChangeAspect="1"/>
+          </p:cNvSpPr>
+          <p:nvPr>
+            <p:ph type="sldImg"/>
+          </p:nvPr>
+        </p:nvSpPr>
+        <p:spPr/>
+      </p:sp>
+      <p:sp>
+        <p:nvSpPr>
+          <p:cNvPr id="3" name="Notes Placeholder 2">
+            <a:extLst>
+              <a:ext uri="{FF2B5EF4-FFF2-40B4-BE49-F238E27FC236}">
+                <a16:creationId xmlns:a16="http://schemas.microsoft.com/office/drawing/2014/main" id="{CAB17C1A-B6BC-2C73-246A-AD0DB7C53C6C}"/>
+              </a:ext>
+            </a:extLst>
+          </p:cNvPr>
+          <p:cNvSpPr>
+            <a:spLocks noGrp="1"/>
+          </p:cNvSpPr>
+          <p:nvPr>
+            <p:ph type="body" idx="1"/>
+          </p:nvPr>
+        </p:nvSpPr>
+        <p:spPr/>
+        <p:txBody>
+          <a:bodyPr/>
+          <a:lstStyle/>
+          <a:p>
+            <a:endParaRPr lang="en-US" dirty="0"/>
+          </a:p>
+        </p:txBody>
+      </p:sp>
+      <p:sp>
+        <p:nvSpPr>
+          <p:cNvPr id="4" name="Slide Number Placeholder 3">
+            <a:extLst>
+              <a:ext uri="{FF2B5EF4-FFF2-40B4-BE49-F238E27FC236}">
+                <a16:creationId xmlns:a16="http://schemas.microsoft.com/office/drawing/2014/main" id="{3115B5FB-931A-65DD-27D4-60C0F34FE7C6}"/>
+              </a:ext>
+            </a:extLst>
+          </p:cNvPr>
+          <p:cNvSpPr>
+            <a:spLocks noGrp="1"/>
+          </p:cNvSpPr>
+          <p:nvPr>
+            <p:ph type="sldNum" sz="quarter" idx="5"/>
+          </p:nvPr>
+        </p:nvSpPr>
+        <p:spPr/>
+        <p:txBody>
+          <a:bodyPr/>
+          <a:lstStyle/>
+          <a:p>
+            <a:fld id="{BF687E30-B67E-4869-B766-5FF8F15F5C5C}" type="slidenum">
+              <a:rPr lang="en-US" smtClean="0"/>
+              <a:t>10</a:t>
+            </a:fld>
+            <a:endParaRPr lang="en-US"/>
+          </a:p>
+        </p:txBody>
+      </p:sp>
+    </p:spTree>
+    <p:extLst>
+      <p:ext uri="{BB962C8B-B14F-4D97-AF65-F5344CB8AC3E}">
+        <p14:creationId xmlns:p14="http://schemas.microsoft.com/office/powerpoint/2010/main" val="2615572708"/>
       </p:ext>
     </p:extLst>
   </p:cSld>
@@ -1132,7 +2876,7 @@
           <a:p>
             <a:fld id="{A6C2BBE1-2B82-4408-A116-91402AF6BBA7}" type="datetimeFigureOut">
               <a:rPr lang="en-US" smtClean="0"/>
-              <a:t>2/17/2025</a:t>
+              <a:t>2/20/2025</a:t>
             </a:fld>
             <a:endParaRPr lang="en-US"/>
           </a:p>
@@ -1330,7 +3074,7 @@
           <a:p>
             <a:fld id="{A6C2BBE1-2B82-4408-A116-91402AF6BBA7}" type="datetimeFigureOut">
               <a:rPr lang="en-US" smtClean="0"/>
-              <a:t>2/17/2025</a:t>
+              <a:t>2/20/2025</a:t>
             </a:fld>
             <a:endParaRPr lang="en-US"/>
           </a:p>
@@ -1538,7 +3282,7 @@
           <a:p>
             <a:fld id="{A6C2BBE1-2B82-4408-A116-91402AF6BBA7}" type="datetimeFigureOut">
               <a:rPr lang="en-US" smtClean="0"/>
-              <a:t>2/17/2025</a:t>
+              <a:t>2/20/2025</a:t>
             </a:fld>
             <a:endParaRPr lang="en-US"/>
           </a:p>
@@ -1736,7 +3480,7 @@
           <a:p>
             <a:fld id="{A6C2BBE1-2B82-4408-A116-91402AF6BBA7}" type="datetimeFigureOut">
               <a:rPr lang="en-US" smtClean="0"/>
-              <a:t>2/17/2025</a:t>
+              <a:t>2/20/2025</a:t>
             </a:fld>
             <a:endParaRPr lang="en-US"/>
           </a:p>
@@ -2011,7 +3755,7 @@
           <a:p>
             <a:fld id="{A6C2BBE1-2B82-4408-A116-91402AF6BBA7}" type="datetimeFigureOut">
               <a:rPr lang="en-US" smtClean="0"/>
-              <a:t>2/17/2025</a:t>
+              <a:t>2/20/2025</a:t>
             </a:fld>
             <a:endParaRPr lang="en-US"/>
           </a:p>
@@ -2276,7 +4020,7 @@
           <a:p>
             <a:fld id="{A6C2BBE1-2B82-4408-A116-91402AF6BBA7}" type="datetimeFigureOut">
               <a:rPr lang="en-US" smtClean="0"/>
-              <a:t>2/17/2025</a:t>
+              <a:t>2/20/2025</a:t>
             </a:fld>
             <a:endParaRPr lang="en-US"/>
           </a:p>
@@ -2688,7 +4432,7 @@
           <a:p>
             <a:fld id="{A6C2BBE1-2B82-4408-A116-91402AF6BBA7}" type="datetimeFigureOut">
               <a:rPr lang="en-US" smtClean="0"/>
-              <a:t>2/17/2025</a:t>
+              <a:t>2/20/2025</a:t>
             </a:fld>
             <a:endParaRPr lang="en-US"/>
           </a:p>
@@ -2829,7 +4573,7 @@
           <a:p>
             <a:fld id="{A6C2BBE1-2B82-4408-A116-91402AF6BBA7}" type="datetimeFigureOut">
               <a:rPr lang="en-US" smtClean="0"/>
-              <a:t>2/17/2025</a:t>
+              <a:t>2/20/2025</a:t>
             </a:fld>
             <a:endParaRPr lang="en-US"/>
           </a:p>
@@ -2942,7 +4686,7 @@
           <a:p>
             <a:fld id="{A6C2BBE1-2B82-4408-A116-91402AF6BBA7}" type="datetimeFigureOut">
               <a:rPr lang="en-US" smtClean="0"/>
-              <a:t>2/17/2025</a:t>
+              <a:t>2/20/2025</a:t>
             </a:fld>
             <a:endParaRPr lang="en-US"/>
           </a:p>
@@ -3253,7 +4997,7 @@
           <a:p>
             <a:fld id="{A6C2BBE1-2B82-4408-A116-91402AF6BBA7}" type="datetimeFigureOut">
               <a:rPr lang="en-US" smtClean="0"/>
-              <a:t>2/17/2025</a:t>
+              <a:t>2/20/2025</a:t>
             </a:fld>
             <a:endParaRPr lang="en-US"/>
           </a:p>
@@ -3541,7 +5285,7 @@
           <a:p>
             <a:fld id="{A6C2BBE1-2B82-4408-A116-91402AF6BBA7}" type="datetimeFigureOut">
               <a:rPr lang="en-US" smtClean="0"/>
-              <a:t>2/17/2025</a:t>
+              <a:t>2/20/2025</a:t>
             </a:fld>
             <a:endParaRPr lang="en-US"/>
           </a:p>
@@ -3782,7 +5526,7 @@
           <a:p>
             <a:fld id="{A6C2BBE1-2B82-4408-A116-91402AF6BBA7}" type="datetimeFigureOut">
               <a:rPr lang="en-US" smtClean="0"/>
-              <a:t>2/17/2025</a:t>
+              <a:t>2/20/2025</a:t>
             </a:fld>
             <a:endParaRPr lang="en-US"/>
           </a:p>
@@ -4275,6 +6019,1511 @@
 </p:sld>
 </file>
 
+<file path=ppt/slides/slide10.xml><?xml version="1.0" encoding="utf-8"?>
+<p:sld xmlns:a="http://schemas.openxmlformats.org/drawingml/2006/main" xmlns:r="http://schemas.openxmlformats.org/officeDocument/2006/relationships" xmlns:p="http://schemas.openxmlformats.org/presentationml/2006/main">
+  <p:cSld>
+    <p:spTree>
+      <p:nvGrpSpPr>
+        <p:cNvPr id="1" name="">
+          <a:extLst>
+            <a:ext uri="{FF2B5EF4-FFF2-40B4-BE49-F238E27FC236}">
+              <a16:creationId xmlns:a16="http://schemas.microsoft.com/office/drawing/2014/main" id="{1DB5E425-2819-D81F-E467-4167C658F2AA}"/>
+            </a:ext>
+          </a:extLst>
+        </p:cNvPr>
+        <p:cNvGrpSpPr/>
+        <p:nvPr/>
+      </p:nvGrpSpPr>
+      <p:grpSpPr>
+        <a:xfrm>
+          <a:off x="0" y="0"/>
+          <a:ext cx="0" cy="0"/>
+          <a:chOff x="0" y="0"/>
+          <a:chExt cx="0" cy="0"/>
+        </a:xfrm>
+      </p:grpSpPr>
+      <p:sp>
+        <p:nvSpPr>
+          <p:cNvPr id="2" name="Title 1">
+            <a:extLst>
+              <a:ext uri="{FF2B5EF4-FFF2-40B4-BE49-F238E27FC236}">
+                <a16:creationId xmlns:a16="http://schemas.microsoft.com/office/drawing/2014/main" id="{C20AD8E7-575A-7194-EE7A-D81F9D5DA241}"/>
+              </a:ext>
+            </a:extLst>
+          </p:cNvPr>
+          <p:cNvSpPr>
+            <a:spLocks noGrp="1"/>
+          </p:cNvSpPr>
+          <p:nvPr>
+            <p:ph type="title"/>
+          </p:nvPr>
+        </p:nvSpPr>
+        <p:spPr/>
+        <p:txBody>
+          <a:bodyPr/>
+          <a:lstStyle/>
+          <a:p>
+            <a:r>
+              <a:rPr lang="en-US" dirty="0">
+                <a:latin typeface="Comic Sans MS" panose="030F0702030302020204" pitchFamily="66" charset="0"/>
+              </a:rPr>
+              <a:t>Querying a property on 2 ranges</a:t>
+            </a:r>
+          </a:p>
+        </p:txBody>
+      </p:sp>
+      <p:sp>
+        <p:nvSpPr>
+          <p:cNvPr id="9" name="TextBox 8">
+            <a:extLst>
+              <a:ext uri="{FF2B5EF4-FFF2-40B4-BE49-F238E27FC236}">
+                <a16:creationId xmlns:a16="http://schemas.microsoft.com/office/drawing/2014/main" id="{0B29DFAA-8528-56B9-E3E5-FB08856B3D4F}"/>
+              </a:ext>
+            </a:extLst>
+          </p:cNvPr>
+          <p:cNvSpPr txBox="1"/>
+          <p:nvPr/>
+        </p:nvSpPr>
+        <p:spPr>
+          <a:xfrm>
+            <a:off x="3131444" y="2214500"/>
+            <a:ext cx="7907858" cy="1323439"/>
+          </a:xfrm>
+          <a:prstGeom prst="rect">
+            <a:avLst/>
+          </a:prstGeom>
+          <a:noFill/>
+        </p:spPr>
+        <p:txBody>
+          <a:bodyPr wrap="square">
+            <a:spAutoFit/>
+          </a:bodyPr>
+          <a:lstStyle/>
+          <a:p>
+            <a:r>
+              <a:rPr lang="en-US" sz="2000" dirty="0">
+                <a:latin typeface="Comic Sans MS" panose="030F0702030302020204" pitchFamily="66" charset="0"/>
+              </a:rPr>
+              <a:t>Equal -&gt; bool</a:t>
+            </a:r>
+          </a:p>
+          <a:p>
+            <a:r>
+              <a:rPr lang="en-US" sz="2000" dirty="0" err="1">
+                <a:latin typeface="Comic Sans MS" panose="030F0702030302020204" pitchFamily="66" charset="0"/>
+              </a:rPr>
+              <a:t>Is_permutation</a:t>
+            </a:r>
+            <a:r>
+              <a:rPr lang="en-US" sz="2000" dirty="0">
+                <a:latin typeface="Comic Sans MS" panose="030F0702030302020204" pitchFamily="66" charset="0"/>
+              </a:rPr>
+              <a:t> -&gt; bool</a:t>
+            </a:r>
+          </a:p>
+          <a:p>
+            <a:r>
+              <a:rPr lang="en-US" sz="2000" dirty="0" err="1">
+                <a:latin typeface="Comic Sans MS" panose="030F0702030302020204" pitchFamily="66" charset="0"/>
+              </a:rPr>
+              <a:t>Lexicographical_compare</a:t>
+            </a:r>
+            <a:r>
+              <a:rPr lang="en-US" sz="2000" dirty="0">
+                <a:latin typeface="Comic Sans MS" panose="030F0702030302020204" pitchFamily="66" charset="0"/>
+              </a:rPr>
+              <a:t> -&gt; bool</a:t>
+            </a:r>
+          </a:p>
+          <a:p>
+            <a:r>
+              <a:rPr lang="en-US" sz="2000" dirty="0">
+                <a:latin typeface="Comic Sans MS" panose="030F0702030302020204" pitchFamily="66" charset="0"/>
+              </a:rPr>
+              <a:t>Mismatch -&gt; </a:t>
+            </a:r>
+            <a:r>
+              <a:rPr lang="en-US" sz="2000" dirty="0" err="1">
+                <a:latin typeface="Comic Sans MS" panose="030F0702030302020204" pitchFamily="66" charset="0"/>
+              </a:rPr>
+              <a:t>paif</a:t>
+            </a:r>
+            <a:r>
+              <a:rPr lang="en-US" sz="2000" dirty="0">
+                <a:latin typeface="Comic Sans MS" panose="030F0702030302020204" pitchFamily="66" charset="0"/>
+              </a:rPr>
+              <a:t>&lt;iterator, iterator) (first position they differ)</a:t>
+            </a:r>
+          </a:p>
+        </p:txBody>
+      </p:sp>
+    </p:spTree>
+    <p:extLst>
+      <p:ext uri="{BB962C8B-B14F-4D97-AF65-F5344CB8AC3E}">
+        <p14:creationId xmlns:p14="http://schemas.microsoft.com/office/powerpoint/2010/main" val="2168139040"/>
+      </p:ext>
+    </p:extLst>
+  </p:cSld>
+  <p:clrMapOvr>
+    <a:masterClrMapping/>
+  </p:clrMapOvr>
+</p:sld>
+</file>
+
+<file path=ppt/slides/slide11.xml><?xml version="1.0" encoding="utf-8"?>
+<p:sld xmlns:a="http://schemas.openxmlformats.org/drawingml/2006/main" xmlns:r="http://schemas.openxmlformats.org/officeDocument/2006/relationships" xmlns:p="http://schemas.openxmlformats.org/presentationml/2006/main">
+  <p:cSld>
+    <p:spTree>
+      <p:nvGrpSpPr>
+        <p:cNvPr id="1" name="">
+          <a:extLst>
+            <a:ext uri="{FF2B5EF4-FFF2-40B4-BE49-F238E27FC236}">
+              <a16:creationId xmlns:a16="http://schemas.microsoft.com/office/drawing/2014/main" id="{31E33E12-DC6D-375E-4DD1-03C40F5D0D86}"/>
+            </a:ext>
+          </a:extLst>
+        </p:cNvPr>
+        <p:cNvGrpSpPr/>
+        <p:nvPr/>
+      </p:nvGrpSpPr>
+      <p:grpSpPr>
+        <a:xfrm>
+          <a:off x="0" y="0"/>
+          <a:ext cx="0" cy="0"/>
+          <a:chOff x="0" y="0"/>
+          <a:chExt cx="0" cy="0"/>
+        </a:xfrm>
+      </p:grpSpPr>
+      <p:sp>
+        <p:nvSpPr>
+          <p:cNvPr id="2" name="Title 1">
+            <a:extLst>
+              <a:ext uri="{FF2B5EF4-FFF2-40B4-BE49-F238E27FC236}">
+                <a16:creationId xmlns:a16="http://schemas.microsoft.com/office/drawing/2014/main" id="{B388C992-CBD0-6D27-6BAD-3175D0C092A1}"/>
+              </a:ext>
+            </a:extLst>
+          </p:cNvPr>
+          <p:cNvSpPr>
+            <a:spLocks noGrp="1"/>
+          </p:cNvSpPr>
+          <p:nvPr>
+            <p:ph type="title"/>
+          </p:nvPr>
+        </p:nvSpPr>
+        <p:spPr/>
+        <p:txBody>
+          <a:bodyPr/>
+          <a:lstStyle/>
+          <a:p>
+            <a:r>
+              <a:rPr lang="en-US" dirty="0">
+                <a:latin typeface="Comic Sans MS" panose="030F0702030302020204" pitchFamily="66" charset="0"/>
+              </a:rPr>
+              <a:t>Searching a value</a:t>
+            </a:r>
+          </a:p>
+        </p:txBody>
+      </p:sp>
+      <p:sp>
+        <p:nvSpPr>
+          <p:cNvPr id="9" name="TextBox 8">
+            <a:extLst>
+              <a:ext uri="{FF2B5EF4-FFF2-40B4-BE49-F238E27FC236}">
+                <a16:creationId xmlns:a16="http://schemas.microsoft.com/office/drawing/2014/main" id="{C4D2C528-EEAC-C658-B8BB-1558F6A643DF}"/>
+              </a:ext>
+            </a:extLst>
+          </p:cNvPr>
+          <p:cNvSpPr txBox="1"/>
+          <p:nvPr/>
+        </p:nvSpPr>
+        <p:spPr>
+          <a:xfrm>
+            <a:off x="3131444" y="2214500"/>
+            <a:ext cx="7907858" cy="2862322"/>
+          </a:xfrm>
+          <a:prstGeom prst="rect">
+            <a:avLst/>
+          </a:prstGeom>
+          <a:noFill/>
+        </p:spPr>
+        <p:txBody>
+          <a:bodyPr wrap="square">
+            <a:spAutoFit/>
+          </a:bodyPr>
+          <a:lstStyle/>
+          <a:p>
+            <a:r>
+              <a:rPr lang="en-US" sz="2000" dirty="0">
+                <a:latin typeface="Comic Sans MS" panose="030F0702030302020204" pitchFamily="66" charset="0"/>
+              </a:rPr>
+              <a:t>NOT SORTED:</a:t>
+            </a:r>
+          </a:p>
+          <a:p>
+            <a:pPr marL="342900" indent="-342900">
+              <a:buFontTx/>
+              <a:buChar char="-"/>
+            </a:pPr>
+            <a:r>
+              <a:rPr lang="en-US" sz="2000" dirty="0">
+                <a:latin typeface="Comic Sans MS" panose="030F0702030302020204" pitchFamily="66" charset="0"/>
+              </a:rPr>
+              <a:t>Find -&gt; iterator</a:t>
+            </a:r>
+          </a:p>
+          <a:p>
+            <a:pPr marL="342900" indent="-342900">
+              <a:buFontTx/>
+              <a:buChar char="-"/>
+            </a:pPr>
+            <a:r>
+              <a:rPr lang="en-US" sz="2000" dirty="0" err="1">
+                <a:latin typeface="Comic Sans MS" panose="030F0702030302020204" pitchFamily="66" charset="0"/>
+              </a:rPr>
+              <a:t>Adjacent_find</a:t>
+            </a:r>
+            <a:r>
+              <a:rPr lang="en-US" sz="2000" dirty="0">
+                <a:latin typeface="Comic Sans MS" panose="030F0702030302020204" pitchFamily="66" charset="0"/>
+              </a:rPr>
+              <a:t> -&gt; iterator</a:t>
+            </a:r>
+          </a:p>
+          <a:p>
+            <a:pPr marL="342900" indent="-342900">
+              <a:buFontTx/>
+              <a:buChar char="-"/>
+            </a:pPr>
+            <a:endParaRPr lang="en-US" sz="2000" dirty="0">
+              <a:latin typeface="Comic Sans MS" panose="030F0702030302020204" pitchFamily="66" charset="0"/>
+            </a:endParaRPr>
+          </a:p>
+          <a:p>
+            <a:r>
+              <a:rPr lang="en-US" sz="2000" dirty="0">
+                <a:latin typeface="Comic Sans MS" panose="030F0702030302020204" pitchFamily="66" charset="0"/>
+              </a:rPr>
+              <a:t>SORTED:</a:t>
+            </a:r>
+          </a:p>
+          <a:p>
+            <a:r>
+              <a:rPr lang="en-US" sz="2000" dirty="0" err="1">
+                <a:latin typeface="Comic Sans MS" panose="030F0702030302020204" pitchFamily="66" charset="0"/>
+              </a:rPr>
+              <a:t>Equal_range</a:t>
+            </a:r>
+            <a:r>
+              <a:rPr lang="en-US" sz="2000" dirty="0">
+                <a:latin typeface="Comic Sans MS" panose="030F0702030302020204" pitchFamily="66" charset="0"/>
+              </a:rPr>
+              <a:t> - iterator</a:t>
+            </a:r>
+          </a:p>
+          <a:p>
+            <a:r>
+              <a:rPr lang="en-US" sz="2000" dirty="0" err="1">
+                <a:latin typeface="Comic Sans MS" panose="030F0702030302020204" pitchFamily="66" charset="0"/>
+              </a:rPr>
+              <a:t>Lower_bound</a:t>
+            </a:r>
+            <a:r>
+              <a:rPr lang="en-US" sz="2000" dirty="0">
+                <a:latin typeface="Comic Sans MS" panose="030F0702030302020204" pitchFamily="66" charset="0"/>
+              </a:rPr>
+              <a:t> -&gt; iterator</a:t>
+            </a:r>
+          </a:p>
+          <a:p>
+            <a:r>
+              <a:rPr lang="en-US" sz="2000" dirty="0" err="1">
+                <a:latin typeface="Comic Sans MS" panose="030F0702030302020204" pitchFamily="66" charset="0"/>
+              </a:rPr>
+              <a:t>Upper_bound</a:t>
+            </a:r>
+            <a:r>
+              <a:rPr lang="en-US" sz="2000" dirty="0">
+                <a:latin typeface="Comic Sans MS" panose="030F0702030302020204" pitchFamily="66" charset="0"/>
+              </a:rPr>
+              <a:t> -&gt; iterator</a:t>
+            </a:r>
+          </a:p>
+          <a:p>
+            <a:r>
+              <a:rPr lang="en-US" sz="2000" dirty="0" err="1">
+                <a:latin typeface="Comic Sans MS" panose="030F0702030302020204" pitchFamily="66" charset="0"/>
+              </a:rPr>
+              <a:t>Binary_search</a:t>
+            </a:r>
+            <a:r>
+              <a:rPr lang="en-US" sz="2000" dirty="0">
+                <a:latin typeface="Comic Sans MS" panose="030F0702030302020204" pitchFamily="66" charset="0"/>
+              </a:rPr>
+              <a:t> -&gt; bool</a:t>
+            </a:r>
+          </a:p>
+        </p:txBody>
+      </p:sp>
+    </p:spTree>
+    <p:extLst>
+      <p:ext uri="{BB962C8B-B14F-4D97-AF65-F5344CB8AC3E}">
+        <p14:creationId xmlns:p14="http://schemas.microsoft.com/office/powerpoint/2010/main" val="386149592"/>
+      </p:ext>
+    </p:extLst>
+  </p:cSld>
+  <p:clrMapOvr>
+    <a:masterClrMapping/>
+  </p:clrMapOvr>
+</p:sld>
+</file>
+
+<file path=ppt/slides/slide12.xml><?xml version="1.0" encoding="utf-8"?>
+<p:sld xmlns:a="http://schemas.openxmlformats.org/drawingml/2006/main" xmlns:r="http://schemas.openxmlformats.org/officeDocument/2006/relationships" xmlns:p="http://schemas.openxmlformats.org/presentationml/2006/main">
+  <p:cSld>
+    <p:spTree>
+      <p:nvGrpSpPr>
+        <p:cNvPr id="1" name="">
+          <a:extLst>
+            <a:ext uri="{FF2B5EF4-FFF2-40B4-BE49-F238E27FC236}">
+              <a16:creationId xmlns:a16="http://schemas.microsoft.com/office/drawing/2014/main" id="{FDC64508-6B5E-6B72-4CEA-0A029468BC56}"/>
+            </a:ext>
+          </a:extLst>
+        </p:cNvPr>
+        <p:cNvGrpSpPr/>
+        <p:nvPr/>
+      </p:nvGrpSpPr>
+      <p:grpSpPr>
+        <a:xfrm>
+          <a:off x="0" y="0"/>
+          <a:ext cx="0" cy="0"/>
+          <a:chOff x="0" y="0"/>
+          <a:chExt cx="0" cy="0"/>
+        </a:xfrm>
+      </p:grpSpPr>
+      <p:sp>
+        <p:nvSpPr>
+          <p:cNvPr id="2" name="Title 1">
+            <a:extLst>
+              <a:ext uri="{FF2B5EF4-FFF2-40B4-BE49-F238E27FC236}">
+                <a16:creationId xmlns:a16="http://schemas.microsoft.com/office/drawing/2014/main" id="{1BB6E8E8-EA39-4D05-22A1-01D6826453B6}"/>
+              </a:ext>
+            </a:extLst>
+          </p:cNvPr>
+          <p:cNvSpPr>
+            <a:spLocks noGrp="1"/>
+          </p:cNvSpPr>
+          <p:nvPr>
+            <p:ph type="title"/>
+          </p:nvPr>
+        </p:nvSpPr>
+        <p:spPr/>
+        <p:txBody>
+          <a:bodyPr/>
+          <a:lstStyle/>
+          <a:p>
+            <a:r>
+              <a:rPr lang="en-US" dirty="0">
+                <a:latin typeface="Comic Sans MS" panose="030F0702030302020204" pitchFamily="66" charset="0"/>
+              </a:rPr>
+              <a:t>Searching a range</a:t>
+            </a:r>
+          </a:p>
+        </p:txBody>
+      </p:sp>
+      <p:sp>
+        <p:nvSpPr>
+          <p:cNvPr id="9" name="TextBox 8">
+            <a:extLst>
+              <a:ext uri="{FF2B5EF4-FFF2-40B4-BE49-F238E27FC236}">
+                <a16:creationId xmlns:a16="http://schemas.microsoft.com/office/drawing/2014/main" id="{8067E270-EA06-23C0-9BEA-DF0C7424560F}"/>
+              </a:ext>
+            </a:extLst>
+          </p:cNvPr>
+          <p:cNvSpPr txBox="1"/>
+          <p:nvPr/>
+        </p:nvSpPr>
+        <p:spPr>
+          <a:xfrm>
+            <a:off x="3131444" y="2214500"/>
+            <a:ext cx="7907858" cy="1015663"/>
+          </a:xfrm>
+          <a:prstGeom prst="rect">
+            <a:avLst/>
+          </a:prstGeom>
+          <a:noFill/>
+        </p:spPr>
+        <p:txBody>
+          <a:bodyPr wrap="square">
+            <a:spAutoFit/>
+          </a:bodyPr>
+          <a:lstStyle/>
+          <a:p>
+            <a:r>
+              <a:rPr lang="en-US" sz="2000" dirty="0">
+                <a:latin typeface="Comic Sans MS" panose="030F0702030302020204" pitchFamily="66" charset="0"/>
+              </a:rPr>
+              <a:t>Search</a:t>
+            </a:r>
+          </a:p>
+          <a:p>
+            <a:r>
+              <a:rPr lang="en-US" sz="2000" dirty="0" err="1">
+                <a:latin typeface="Comic Sans MS" panose="030F0702030302020204" pitchFamily="66" charset="0"/>
+              </a:rPr>
+              <a:t>Find_end</a:t>
+            </a:r>
+            <a:endParaRPr lang="en-US" sz="2000" dirty="0">
+              <a:latin typeface="Comic Sans MS" panose="030F0702030302020204" pitchFamily="66" charset="0"/>
+            </a:endParaRPr>
+          </a:p>
+          <a:p>
+            <a:r>
+              <a:rPr lang="en-US" sz="2000" dirty="0" err="1">
+                <a:latin typeface="Comic Sans MS" panose="030F0702030302020204" pitchFamily="66" charset="0"/>
+              </a:rPr>
+              <a:t>Find_first_of</a:t>
+            </a:r>
+            <a:endParaRPr lang="en-US" sz="2000" dirty="0">
+              <a:latin typeface="Comic Sans MS" panose="030F0702030302020204" pitchFamily="66" charset="0"/>
+            </a:endParaRPr>
+          </a:p>
+        </p:txBody>
+      </p:sp>
+    </p:spTree>
+    <p:extLst>
+      <p:ext uri="{BB962C8B-B14F-4D97-AF65-F5344CB8AC3E}">
+        <p14:creationId xmlns:p14="http://schemas.microsoft.com/office/powerpoint/2010/main" val="3727252011"/>
+      </p:ext>
+    </p:extLst>
+  </p:cSld>
+  <p:clrMapOvr>
+    <a:masterClrMapping/>
+  </p:clrMapOvr>
+</p:sld>
+</file>
+
+<file path=ppt/slides/slide13.xml><?xml version="1.0" encoding="utf-8"?>
+<p:sld xmlns:a="http://schemas.openxmlformats.org/drawingml/2006/main" xmlns:r="http://schemas.openxmlformats.org/officeDocument/2006/relationships" xmlns:p="http://schemas.openxmlformats.org/presentationml/2006/main">
+  <p:cSld>
+    <p:spTree>
+      <p:nvGrpSpPr>
+        <p:cNvPr id="1" name="">
+          <a:extLst>
+            <a:ext uri="{FF2B5EF4-FFF2-40B4-BE49-F238E27FC236}">
+              <a16:creationId xmlns:a16="http://schemas.microsoft.com/office/drawing/2014/main" id="{A766E428-E344-CD37-709B-58A05F336C7B}"/>
+            </a:ext>
+          </a:extLst>
+        </p:cNvPr>
+        <p:cNvGrpSpPr/>
+        <p:nvPr/>
+      </p:nvGrpSpPr>
+      <p:grpSpPr>
+        <a:xfrm>
+          <a:off x="0" y="0"/>
+          <a:ext cx="0" cy="0"/>
+          <a:chOff x="0" y="0"/>
+          <a:chExt cx="0" cy="0"/>
+        </a:xfrm>
+      </p:grpSpPr>
+      <p:sp>
+        <p:nvSpPr>
+          <p:cNvPr id="2" name="Title 1">
+            <a:extLst>
+              <a:ext uri="{FF2B5EF4-FFF2-40B4-BE49-F238E27FC236}">
+                <a16:creationId xmlns:a16="http://schemas.microsoft.com/office/drawing/2014/main" id="{7C42752A-0443-5323-F972-40A781D5957A}"/>
+              </a:ext>
+            </a:extLst>
+          </p:cNvPr>
+          <p:cNvSpPr>
+            <a:spLocks noGrp="1"/>
+          </p:cNvSpPr>
+          <p:nvPr>
+            <p:ph type="title"/>
+          </p:nvPr>
+        </p:nvSpPr>
+        <p:spPr/>
+        <p:txBody>
+          <a:bodyPr/>
+          <a:lstStyle/>
+          <a:p>
+            <a:r>
+              <a:rPr lang="en-US" dirty="0">
+                <a:latin typeface="Comic Sans MS" panose="030F0702030302020204" pitchFamily="66" charset="0"/>
+              </a:rPr>
+              <a:t>Searching a relative value</a:t>
+            </a:r>
+          </a:p>
+        </p:txBody>
+      </p:sp>
+      <p:sp>
+        <p:nvSpPr>
+          <p:cNvPr id="9" name="TextBox 8">
+            <a:extLst>
+              <a:ext uri="{FF2B5EF4-FFF2-40B4-BE49-F238E27FC236}">
+                <a16:creationId xmlns:a16="http://schemas.microsoft.com/office/drawing/2014/main" id="{D95864C2-350D-3BA4-11CB-F85C5BBC3CAD}"/>
+              </a:ext>
+            </a:extLst>
+          </p:cNvPr>
+          <p:cNvSpPr txBox="1"/>
+          <p:nvPr/>
+        </p:nvSpPr>
+        <p:spPr>
+          <a:xfrm>
+            <a:off x="3131444" y="2214500"/>
+            <a:ext cx="7907858" cy="1015663"/>
+          </a:xfrm>
+          <a:prstGeom prst="rect">
+            <a:avLst/>
+          </a:prstGeom>
+          <a:noFill/>
+        </p:spPr>
+        <p:txBody>
+          <a:bodyPr wrap="square">
+            <a:spAutoFit/>
+          </a:bodyPr>
+          <a:lstStyle/>
+          <a:p>
+            <a:r>
+              <a:rPr lang="en-US" sz="2000" dirty="0" err="1">
+                <a:latin typeface="Comic Sans MS" panose="030F0702030302020204" pitchFamily="66" charset="0"/>
+              </a:rPr>
+              <a:t>Max_element</a:t>
+            </a:r>
+            <a:r>
+              <a:rPr lang="en-US" sz="2000" dirty="0">
+                <a:latin typeface="Comic Sans MS" panose="030F0702030302020204" pitchFamily="66" charset="0"/>
+              </a:rPr>
+              <a:t> -&gt; iterator</a:t>
+            </a:r>
+          </a:p>
+          <a:p>
+            <a:r>
+              <a:rPr lang="en-US" sz="2000" dirty="0" err="1">
+                <a:latin typeface="Comic Sans MS" panose="030F0702030302020204" pitchFamily="66" charset="0"/>
+              </a:rPr>
+              <a:t>Min_element</a:t>
+            </a:r>
+            <a:r>
+              <a:rPr lang="en-US" sz="2000" dirty="0">
+                <a:latin typeface="Comic Sans MS" panose="030F0702030302020204" pitchFamily="66" charset="0"/>
+              </a:rPr>
+              <a:t> -&gt; iterator</a:t>
+            </a:r>
+          </a:p>
+          <a:p>
+            <a:r>
+              <a:rPr lang="en-US" sz="2000" dirty="0">
+                <a:latin typeface="Comic Sans MS" panose="030F0702030302020204" pitchFamily="66" charset="0"/>
+              </a:rPr>
+              <a:t>minmax-_element -&gt; pair&lt;iterator, iterator&gt;</a:t>
+            </a:r>
+          </a:p>
+        </p:txBody>
+      </p:sp>
+    </p:spTree>
+    <p:extLst>
+      <p:ext uri="{BB962C8B-B14F-4D97-AF65-F5344CB8AC3E}">
+        <p14:creationId xmlns:p14="http://schemas.microsoft.com/office/powerpoint/2010/main" val="2371816146"/>
+      </p:ext>
+    </p:extLst>
+  </p:cSld>
+  <p:clrMapOvr>
+    <a:masterClrMapping/>
+  </p:clrMapOvr>
+</p:sld>
+</file>
+
+<file path=ppt/slides/slide14.xml><?xml version="1.0" encoding="utf-8"?>
+<p:sld xmlns:a="http://schemas.openxmlformats.org/drawingml/2006/main" xmlns:r="http://schemas.openxmlformats.org/officeDocument/2006/relationships" xmlns:p="http://schemas.openxmlformats.org/presentationml/2006/main">
+  <p:cSld>
+    <p:spTree>
+      <p:nvGrpSpPr>
+        <p:cNvPr id="1" name="">
+          <a:extLst>
+            <a:ext uri="{FF2B5EF4-FFF2-40B4-BE49-F238E27FC236}">
+              <a16:creationId xmlns:a16="http://schemas.microsoft.com/office/drawing/2014/main" id="{03DCFBF6-6B00-4F42-E0C9-8EE49F489D19}"/>
+            </a:ext>
+          </a:extLst>
+        </p:cNvPr>
+        <p:cNvGrpSpPr/>
+        <p:nvPr/>
+      </p:nvGrpSpPr>
+      <p:grpSpPr>
+        <a:xfrm>
+          <a:off x="0" y="0"/>
+          <a:ext cx="0" cy="0"/>
+          <a:chOff x="0" y="0"/>
+          <a:chExt cx="0" cy="0"/>
+        </a:xfrm>
+      </p:grpSpPr>
+      <p:sp>
+        <p:nvSpPr>
+          <p:cNvPr id="2" name="Title 1">
+            <a:extLst>
+              <a:ext uri="{FF2B5EF4-FFF2-40B4-BE49-F238E27FC236}">
+                <a16:creationId xmlns:a16="http://schemas.microsoft.com/office/drawing/2014/main" id="{6E22F133-3405-3673-DDE1-3B0A6760D055}"/>
+              </a:ext>
+            </a:extLst>
+          </p:cNvPr>
+          <p:cNvSpPr>
+            <a:spLocks noGrp="1"/>
+          </p:cNvSpPr>
+          <p:nvPr>
+            <p:ph type="title"/>
+          </p:nvPr>
+        </p:nvSpPr>
+        <p:spPr/>
+        <p:txBody>
+          <a:bodyPr/>
+          <a:lstStyle/>
+          <a:p>
+            <a:r>
+              <a:rPr lang="en-US" dirty="0">
+                <a:latin typeface="Comic Sans MS" panose="030F0702030302020204" pitchFamily="66" charset="0"/>
+              </a:rPr>
+              <a:t>Algos on sets</a:t>
+            </a:r>
+          </a:p>
+        </p:txBody>
+      </p:sp>
+      <p:sp>
+        <p:nvSpPr>
+          <p:cNvPr id="9" name="TextBox 8">
+            <a:extLst>
+              <a:ext uri="{FF2B5EF4-FFF2-40B4-BE49-F238E27FC236}">
+                <a16:creationId xmlns:a16="http://schemas.microsoft.com/office/drawing/2014/main" id="{C5D49175-CE4F-1CD3-2C41-B3829B0D2313}"/>
+              </a:ext>
+            </a:extLst>
+          </p:cNvPr>
+          <p:cNvSpPr txBox="1"/>
+          <p:nvPr/>
+        </p:nvSpPr>
+        <p:spPr>
+          <a:xfrm>
+            <a:off x="3131444" y="2214500"/>
+            <a:ext cx="7907858" cy="1938992"/>
+          </a:xfrm>
+          <a:prstGeom prst="rect">
+            <a:avLst/>
+          </a:prstGeom>
+          <a:noFill/>
+        </p:spPr>
+        <p:txBody>
+          <a:bodyPr wrap="square">
+            <a:spAutoFit/>
+          </a:bodyPr>
+          <a:lstStyle/>
+          <a:p>
+            <a:r>
+              <a:rPr lang="en-US" sz="2000" dirty="0" err="1">
+                <a:latin typeface="Comic Sans MS" panose="030F0702030302020204" pitchFamily="66" charset="0"/>
+              </a:rPr>
+              <a:t>Set_difference</a:t>
+            </a:r>
+            <a:endParaRPr lang="en-US" sz="2000" dirty="0">
+              <a:latin typeface="Comic Sans MS" panose="030F0702030302020204" pitchFamily="66" charset="0"/>
+            </a:endParaRPr>
+          </a:p>
+          <a:p>
+            <a:r>
+              <a:rPr lang="en-US" sz="2000" dirty="0" err="1">
+                <a:latin typeface="Comic Sans MS" panose="030F0702030302020204" pitchFamily="66" charset="0"/>
+              </a:rPr>
+              <a:t>Set_intersection</a:t>
+            </a:r>
+            <a:endParaRPr lang="en-US" sz="2000" dirty="0">
+              <a:latin typeface="Comic Sans MS" panose="030F0702030302020204" pitchFamily="66" charset="0"/>
+            </a:endParaRPr>
+          </a:p>
+          <a:p>
+            <a:r>
+              <a:rPr lang="en-US" sz="2000" dirty="0" err="1">
+                <a:latin typeface="Comic Sans MS" panose="030F0702030302020204" pitchFamily="66" charset="0"/>
+              </a:rPr>
+              <a:t>Set_union</a:t>
+            </a:r>
+            <a:endParaRPr lang="en-US" sz="2000" dirty="0">
+              <a:latin typeface="Comic Sans MS" panose="030F0702030302020204" pitchFamily="66" charset="0"/>
+            </a:endParaRPr>
+          </a:p>
+          <a:p>
+            <a:r>
+              <a:rPr lang="en-US" sz="2000" dirty="0" err="1">
+                <a:latin typeface="Comic Sans MS" panose="030F0702030302020204" pitchFamily="66" charset="0"/>
+              </a:rPr>
+              <a:t>Set_symmetric_difference</a:t>
+            </a:r>
+            <a:endParaRPr lang="en-US" sz="2000" dirty="0">
+              <a:latin typeface="Comic Sans MS" panose="030F0702030302020204" pitchFamily="66" charset="0"/>
+            </a:endParaRPr>
+          </a:p>
+          <a:p>
+            <a:r>
+              <a:rPr lang="en-US" sz="2000" dirty="0">
+                <a:latin typeface="Comic Sans MS" panose="030F0702030302020204" pitchFamily="66" charset="0"/>
+              </a:rPr>
+              <a:t>Includes</a:t>
+            </a:r>
+          </a:p>
+          <a:p>
+            <a:r>
+              <a:rPr lang="en-US" sz="2000" dirty="0">
+                <a:latin typeface="Comic Sans MS" panose="030F0702030302020204" pitchFamily="66" charset="0"/>
+              </a:rPr>
+              <a:t>merge</a:t>
+            </a:r>
+          </a:p>
+        </p:txBody>
+      </p:sp>
+    </p:spTree>
+    <p:extLst>
+      <p:ext uri="{BB962C8B-B14F-4D97-AF65-F5344CB8AC3E}">
+        <p14:creationId xmlns:p14="http://schemas.microsoft.com/office/powerpoint/2010/main" val="1447298223"/>
+      </p:ext>
+    </p:extLst>
+  </p:cSld>
+  <p:clrMapOvr>
+    <a:masterClrMapping/>
+  </p:clrMapOvr>
+</p:sld>
+</file>
+
+<file path=ppt/slides/slide15.xml><?xml version="1.0" encoding="utf-8"?>
+<p:sld xmlns:a="http://schemas.openxmlformats.org/drawingml/2006/main" xmlns:r="http://schemas.openxmlformats.org/officeDocument/2006/relationships" xmlns:p="http://schemas.openxmlformats.org/presentationml/2006/main">
+  <p:cSld>
+    <p:spTree>
+      <p:nvGrpSpPr>
+        <p:cNvPr id="1" name="">
+          <a:extLst>
+            <a:ext uri="{FF2B5EF4-FFF2-40B4-BE49-F238E27FC236}">
+              <a16:creationId xmlns:a16="http://schemas.microsoft.com/office/drawing/2014/main" id="{2AB599CF-C859-18FC-8F87-9BC624FED107}"/>
+            </a:ext>
+          </a:extLst>
+        </p:cNvPr>
+        <p:cNvGrpSpPr/>
+        <p:nvPr/>
+      </p:nvGrpSpPr>
+      <p:grpSpPr>
+        <a:xfrm>
+          <a:off x="0" y="0"/>
+          <a:ext cx="0" cy="0"/>
+          <a:chOff x="0" y="0"/>
+          <a:chExt cx="0" cy="0"/>
+        </a:xfrm>
+      </p:grpSpPr>
+      <p:sp>
+        <p:nvSpPr>
+          <p:cNvPr id="2" name="Title 1">
+            <a:extLst>
+              <a:ext uri="{FF2B5EF4-FFF2-40B4-BE49-F238E27FC236}">
+                <a16:creationId xmlns:a16="http://schemas.microsoft.com/office/drawing/2014/main" id="{A09E9A9E-56CC-5E78-808A-607B3D721523}"/>
+              </a:ext>
+            </a:extLst>
+          </p:cNvPr>
+          <p:cNvSpPr>
+            <a:spLocks noGrp="1"/>
+          </p:cNvSpPr>
+          <p:nvPr>
+            <p:ph type="title"/>
+          </p:nvPr>
+        </p:nvSpPr>
+        <p:spPr/>
+        <p:txBody>
+          <a:bodyPr/>
+          <a:lstStyle/>
+          <a:p>
+            <a:r>
+              <a:rPr lang="en-US" dirty="0">
+                <a:latin typeface="Comic Sans MS" panose="030F0702030302020204" pitchFamily="66" charset="0"/>
+              </a:rPr>
+              <a:t>Mover</a:t>
+            </a:r>
+          </a:p>
+        </p:txBody>
+      </p:sp>
+      <p:sp>
+        <p:nvSpPr>
+          <p:cNvPr id="9" name="TextBox 8">
+            <a:extLst>
+              <a:ext uri="{FF2B5EF4-FFF2-40B4-BE49-F238E27FC236}">
+                <a16:creationId xmlns:a16="http://schemas.microsoft.com/office/drawing/2014/main" id="{BA2CEC8B-4598-DBB3-B99D-BB44161928C9}"/>
+              </a:ext>
+            </a:extLst>
+          </p:cNvPr>
+          <p:cNvSpPr txBox="1"/>
+          <p:nvPr/>
+        </p:nvSpPr>
+        <p:spPr>
+          <a:xfrm>
+            <a:off x="3131444" y="2214500"/>
+            <a:ext cx="7907858" cy="1631216"/>
+          </a:xfrm>
+          <a:prstGeom prst="rect">
+            <a:avLst/>
+          </a:prstGeom>
+          <a:noFill/>
+        </p:spPr>
+        <p:txBody>
+          <a:bodyPr wrap="square">
+            <a:spAutoFit/>
+          </a:bodyPr>
+          <a:lstStyle/>
+          <a:p>
+            <a:r>
+              <a:rPr lang="en-US" sz="2000" dirty="0">
+                <a:latin typeface="Comic Sans MS" panose="030F0702030302020204" pitchFamily="66" charset="0"/>
+              </a:rPr>
+              <a:t>Copy</a:t>
+            </a:r>
+          </a:p>
+          <a:p>
+            <a:r>
+              <a:rPr lang="en-US" sz="2000" dirty="0">
+                <a:latin typeface="Comic Sans MS" panose="030F0702030302020204" pitchFamily="66" charset="0"/>
+              </a:rPr>
+              <a:t>Move</a:t>
+            </a:r>
+          </a:p>
+          <a:p>
+            <a:r>
+              <a:rPr lang="en-US" sz="2000" dirty="0" err="1">
+                <a:latin typeface="Comic Sans MS" panose="030F0702030302020204" pitchFamily="66" charset="0"/>
+              </a:rPr>
+              <a:t>Swap_ranges</a:t>
+            </a:r>
+            <a:endParaRPr lang="en-US" sz="2000" dirty="0">
+              <a:latin typeface="Comic Sans MS" panose="030F0702030302020204" pitchFamily="66" charset="0"/>
+            </a:endParaRPr>
+          </a:p>
+          <a:p>
+            <a:r>
+              <a:rPr lang="en-US" sz="2000" dirty="0" err="1">
+                <a:latin typeface="Comic Sans MS" panose="030F0702030302020204" pitchFamily="66" charset="0"/>
+              </a:rPr>
+              <a:t>Copy_backward</a:t>
+            </a:r>
+            <a:endParaRPr lang="en-US" sz="2000" dirty="0">
+              <a:latin typeface="Comic Sans MS" panose="030F0702030302020204" pitchFamily="66" charset="0"/>
+            </a:endParaRPr>
+          </a:p>
+          <a:p>
+            <a:r>
+              <a:rPr lang="en-US" sz="2000" dirty="0" err="1">
+                <a:latin typeface="Comic Sans MS" panose="030F0702030302020204" pitchFamily="66" charset="0"/>
+              </a:rPr>
+              <a:t>Move_backward</a:t>
+            </a:r>
+            <a:endParaRPr lang="en-US" sz="2000" dirty="0">
+              <a:latin typeface="Comic Sans MS" panose="030F0702030302020204" pitchFamily="66" charset="0"/>
+            </a:endParaRPr>
+          </a:p>
+        </p:txBody>
+      </p:sp>
+    </p:spTree>
+    <p:extLst>
+      <p:ext uri="{BB962C8B-B14F-4D97-AF65-F5344CB8AC3E}">
+        <p14:creationId xmlns:p14="http://schemas.microsoft.com/office/powerpoint/2010/main" val="642549295"/>
+      </p:ext>
+    </p:extLst>
+  </p:cSld>
+  <p:clrMapOvr>
+    <a:masterClrMapping/>
+  </p:clrMapOvr>
+</p:sld>
+</file>
+
+<file path=ppt/slides/slide16.xml><?xml version="1.0" encoding="utf-8"?>
+<p:sld xmlns:a="http://schemas.openxmlformats.org/drawingml/2006/main" xmlns:r="http://schemas.openxmlformats.org/officeDocument/2006/relationships" xmlns:p="http://schemas.openxmlformats.org/presentationml/2006/main">
+  <p:cSld>
+    <p:spTree>
+      <p:nvGrpSpPr>
+        <p:cNvPr id="1" name="">
+          <a:extLst>
+            <a:ext uri="{FF2B5EF4-FFF2-40B4-BE49-F238E27FC236}">
+              <a16:creationId xmlns:a16="http://schemas.microsoft.com/office/drawing/2014/main" id="{60128AFC-2A84-CEA0-4B9A-0B67DB457466}"/>
+            </a:ext>
+          </a:extLst>
+        </p:cNvPr>
+        <p:cNvGrpSpPr/>
+        <p:nvPr/>
+      </p:nvGrpSpPr>
+      <p:grpSpPr>
+        <a:xfrm>
+          <a:off x="0" y="0"/>
+          <a:ext cx="0" cy="0"/>
+          <a:chOff x="0" y="0"/>
+          <a:chExt cx="0" cy="0"/>
+        </a:xfrm>
+      </p:grpSpPr>
+      <p:sp>
+        <p:nvSpPr>
+          <p:cNvPr id="2" name="Title 1">
+            <a:extLst>
+              <a:ext uri="{FF2B5EF4-FFF2-40B4-BE49-F238E27FC236}">
+                <a16:creationId xmlns:a16="http://schemas.microsoft.com/office/drawing/2014/main" id="{9E1B0217-76E1-D1C5-C92E-9824D28862A1}"/>
+              </a:ext>
+            </a:extLst>
+          </p:cNvPr>
+          <p:cNvSpPr>
+            <a:spLocks noGrp="1"/>
+          </p:cNvSpPr>
+          <p:nvPr>
+            <p:ph type="title"/>
+          </p:nvPr>
+        </p:nvSpPr>
+        <p:spPr/>
+        <p:txBody>
+          <a:bodyPr/>
+          <a:lstStyle/>
+          <a:p>
+            <a:r>
+              <a:rPr lang="en-US" dirty="0">
+                <a:latin typeface="Comic Sans MS" panose="030F0702030302020204" pitchFamily="66" charset="0"/>
+              </a:rPr>
+              <a:t>Value modifier</a:t>
+            </a:r>
+          </a:p>
+        </p:txBody>
+      </p:sp>
+      <p:sp>
+        <p:nvSpPr>
+          <p:cNvPr id="9" name="TextBox 8">
+            <a:extLst>
+              <a:ext uri="{FF2B5EF4-FFF2-40B4-BE49-F238E27FC236}">
+                <a16:creationId xmlns:a16="http://schemas.microsoft.com/office/drawing/2014/main" id="{5AA9CF29-B538-14BC-ED0A-F1CF8B0C446E}"/>
+              </a:ext>
+            </a:extLst>
+          </p:cNvPr>
+          <p:cNvSpPr txBox="1"/>
+          <p:nvPr/>
+        </p:nvSpPr>
+        <p:spPr>
+          <a:xfrm>
+            <a:off x="3131444" y="2214500"/>
+            <a:ext cx="7907858" cy="1323439"/>
+          </a:xfrm>
+          <a:prstGeom prst="rect">
+            <a:avLst/>
+          </a:prstGeom>
+          <a:noFill/>
+        </p:spPr>
+        <p:txBody>
+          <a:bodyPr wrap="square">
+            <a:spAutoFit/>
+          </a:bodyPr>
+          <a:lstStyle/>
+          <a:p>
+            <a:r>
+              <a:rPr lang="en-US" sz="2000" dirty="0">
+                <a:latin typeface="Comic Sans MS" panose="030F0702030302020204" pitchFamily="66" charset="0"/>
+              </a:rPr>
+              <a:t>Fill</a:t>
+            </a:r>
+          </a:p>
+          <a:p>
+            <a:r>
+              <a:rPr lang="en-US" sz="2000" dirty="0">
+                <a:latin typeface="Comic Sans MS" panose="030F0702030302020204" pitchFamily="66" charset="0"/>
+              </a:rPr>
+              <a:t>Generate</a:t>
+            </a:r>
+          </a:p>
+          <a:p>
+            <a:r>
+              <a:rPr lang="en-US" sz="2000" dirty="0">
+                <a:latin typeface="Comic Sans MS" panose="030F0702030302020204" pitchFamily="66" charset="0"/>
+              </a:rPr>
+              <a:t>Iota</a:t>
+            </a:r>
+          </a:p>
+          <a:p>
+            <a:r>
+              <a:rPr lang="en-US" sz="2000" dirty="0">
+                <a:latin typeface="Comic Sans MS" panose="030F0702030302020204" pitchFamily="66" charset="0"/>
+              </a:rPr>
+              <a:t>replace</a:t>
+            </a:r>
+          </a:p>
+        </p:txBody>
+      </p:sp>
+    </p:spTree>
+    <p:extLst>
+      <p:ext uri="{BB962C8B-B14F-4D97-AF65-F5344CB8AC3E}">
+        <p14:creationId xmlns:p14="http://schemas.microsoft.com/office/powerpoint/2010/main" val="2786779071"/>
+      </p:ext>
+    </p:extLst>
+  </p:cSld>
+  <p:clrMapOvr>
+    <a:masterClrMapping/>
+  </p:clrMapOvr>
+</p:sld>
+</file>
+
+<file path=ppt/slides/slide17.xml><?xml version="1.0" encoding="utf-8"?>
+<p:sld xmlns:a="http://schemas.openxmlformats.org/drawingml/2006/main" xmlns:r="http://schemas.openxmlformats.org/officeDocument/2006/relationships" xmlns:p="http://schemas.openxmlformats.org/presentationml/2006/main">
+  <p:cSld>
+    <p:spTree>
+      <p:nvGrpSpPr>
+        <p:cNvPr id="1" name="">
+          <a:extLst>
+            <a:ext uri="{FF2B5EF4-FFF2-40B4-BE49-F238E27FC236}">
+              <a16:creationId xmlns:a16="http://schemas.microsoft.com/office/drawing/2014/main" id="{FBEAB140-76A5-A101-E15F-CDE024C83E4A}"/>
+            </a:ext>
+          </a:extLst>
+        </p:cNvPr>
+        <p:cNvGrpSpPr/>
+        <p:nvPr/>
+      </p:nvGrpSpPr>
+      <p:grpSpPr>
+        <a:xfrm>
+          <a:off x="0" y="0"/>
+          <a:ext cx="0" cy="0"/>
+          <a:chOff x="0" y="0"/>
+          <a:chExt cx="0" cy="0"/>
+        </a:xfrm>
+      </p:grpSpPr>
+      <p:sp>
+        <p:nvSpPr>
+          <p:cNvPr id="2" name="Title 1">
+            <a:extLst>
+              <a:ext uri="{FF2B5EF4-FFF2-40B4-BE49-F238E27FC236}">
+                <a16:creationId xmlns:a16="http://schemas.microsoft.com/office/drawing/2014/main" id="{D6112F50-E68F-48FE-CF2C-273EDD09FFD2}"/>
+              </a:ext>
+            </a:extLst>
+          </p:cNvPr>
+          <p:cNvSpPr>
+            <a:spLocks noGrp="1"/>
+          </p:cNvSpPr>
+          <p:nvPr>
+            <p:ph type="title"/>
+          </p:nvPr>
+        </p:nvSpPr>
+        <p:spPr/>
+        <p:txBody>
+          <a:bodyPr/>
+          <a:lstStyle/>
+          <a:p>
+            <a:r>
+              <a:rPr lang="en-US" dirty="0">
+                <a:latin typeface="Comic Sans MS" panose="030F0702030302020204" pitchFamily="66" charset="0"/>
+              </a:rPr>
+              <a:t>Structure changers</a:t>
+            </a:r>
+          </a:p>
+        </p:txBody>
+      </p:sp>
+      <p:sp>
+        <p:nvSpPr>
+          <p:cNvPr id="9" name="TextBox 8">
+            <a:extLst>
+              <a:ext uri="{FF2B5EF4-FFF2-40B4-BE49-F238E27FC236}">
+                <a16:creationId xmlns:a16="http://schemas.microsoft.com/office/drawing/2014/main" id="{C8FEDC24-873B-F0D5-0271-F681423551B9}"/>
+              </a:ext>
+            </a:extLst>
+          </p:cNvPr>
+          <p:cNvSpPr txBox="1"/>
+          <p:nvPr/>
+        </p:nvSpPr>
+        <p:spPr>
+          <a:xfrm>
+            <a:off x="3131444" y="2214500"/>
+            <a:ext cx="7907858" cy="707886"/>
+          </a:xfrm>
+          <a:prstGeom prst="rect">
+            <a:avLst/>
+          </a:prstGeom>
+          <a:noFill/>
+        </p:spPr>
+        <p:txBody>
+          <a:bodyPr wrap="square">
+            <a:spAutoFit/>
+          </a:bodyPr>
+          <a:lstStyle/>
+          <a:p>
+            <a:r>
+              <a:rPr lang="en-US" sz="2000" dirty="0">
+                <a:latin typeface="Comic Sans MS" panose="030F0702030302020204" pitchFamily="66" charset="0"/>
+              </a:rPr>
+              <a:t>Remove</a:t>
+            </a:r>
+          </a:p>
+          <a:p>
+            <a:r>
+              <a:rPr lang="en-US" sz="2000" dirty="0">
+                <a:latin typeface="Comic Sans MS" panose="030F0702030302020204" pitchFamily="66" charset="0"/>
+              </a:rPr>
+              <a:t>unique</a:t>
+            </a:r>
+          </a:p>
+        </p:txBody>
+      </p:sp>
+    </p:spTree>
+    <p:extLst>
+      <p:ext uri="{BB962C8B-B14F-4D97-AF65-F5344CB8AC3E}">
+        <p14:creationId xmlns:p14="http://schemas.microsoft.com/office/powerpoint/2010/main" val="1694871870"/>
+      </p:ext>
+    </p:extLst>
+  </p:cSld>
+  <p:clrMapOvr>
+    <a:masterClrMapping/>
+  </p:clrMapOvr>
+</p:sld>
+</file>
+
+<file path=ppt/slides/slide18.xml><?xml version="1.0" encoding="utf-8"?>
+<p:sld xmlns:a="http://schemas.openxmlformats.org/drawingml/2006/main" xmlns:r="http://schemas.openxmlformats.org/officeDocument/2006/relationships" xmlns:p="http://schemas.openxmlformats.org/presentationml/2006/main">
+  <p:cSld>
+    <p:spTree>
+      <p:nvGrpSpPr>
+        <p:cNvPr id="1" name="">
+          <a:extLst>
+            <a:ext uri="{FF2B5EF4-FFF2-40B4-BE49-F238E27FC236}">
+              <a16:creationId xmlns:a16="http://schemas.microsoft.com/office/drawing/2014/main" id="{C7D3A59B-08CF-249E-EDB7-CEC5F1497329}"/>
+            </a:ext>
+          </a:extLst>
+        </p:cNvPr>
+        <p:cNvGrpSpPr/>
+        <p:nvPr/>
+      </p:nvGrpSpPr>
+      <p:grpSpPr>
+        <a:xfrm>
+          <a:off x="0" y="0"/>
+          <a:ext cx="0" cy="0"/>
+          <a:chOff x="0" y="0"/>
+          <a:chExt cx="0" cy="0"/>
+        </a:xfrm>
+      </p:grpSpPr>
+      <p:sp>
+        <p:nvSpPr>
+          <p:cNvPr id="2" name="Title 1">
+            <a:extLst>
+              <a:ext uri="{FF2B5EF4-FFF2-40B4-BE49-F238E27FC236}">
+                <a16:creationId xmlns:a16="http://schemas.microsoft.com/office/drawing/2014/main" id="{0D9793F9-486B-F9A6-9054-0636F841FEB2}"/>
+              </a:ext>
+            </a:extLst>
+          </p:cNvPr>
+          <p:cNvSpPr>
+            <a:spLocks noGrp="1"/>
+          </p:cNvSpPr>
+          <p:nvPr>
+            <p:ph type="title"/>
+          </p:nvPr>
+        </p:nvSpPr>
+        <p:spPr/>
+        <p:txBody>
+          <a:bodyPr/>
+          <a:lstStyle/>
+          <a:p>
+            <a:r>
+              <a:rPr lang="en-US" dirty="0">
+                <a:latin typeface="Comic Sans MS" panose="030F0702030302020204" pitchFamily="66" charset="0"/>
+              </a:rPr>
+              <a:t>_copy</a:t>
+            </a:r>
+          </a:p>
+        </p:txBody>
+      </p:sp>
+      <p:sp>
+        <p:nvSpPr>
+          <p:cNvPr id="9" name="TextBox 8">
+            <a:extLst>
+              <a:ext uri="{FF2B5EF4-FFF2-40B4-BE49-F238E27FC236}">
+                <a16:creationId xmlns:a16="http://schemas.microsoft.com/office/drawing/2014/main" id="{6CBAB71D-98AD-6B09-79E1-A4BFE47FF36C}"/>
+              </a:ext>
+            </a:extLst>
+          </p:cNvPr>
+          <p:cNvSpPr txBox="1"/>
+          <p:nvPr/>
+        </p:nvSpPr>
+        <p:spPr>
+          <a:xfrm>
+            <a:off x="3131444" y="2214500"/>
+            <a:ext cx="7907858" cy="2246769"/>
+          </a:xfrm>
+          <a:prstGeom prst="rect">
+            <a:avLst/>
+          </a:prstGeom>
+          <a:noFill/>
+        </p:spPr>
+        <p:txBody>
+          <a:bodyPr wrap="square">
+            <a:spAutoFit/>
+          </a:bodyPr>
+          <a:lstStyle/>
+          <a:p>
+            <a:r>
+              <a:rPr lang="en-US" sz="2000" dirty="0" err="1">
+                <a:latin typeface="Comic Sans MS" panose="030F0702030302020204" pitchFamily="66" charset="0"/>
+              </a:rPr>
+              <a:t>Remove_copy</a:t>
+            </a:r>
+            <a:endParaRPr lang="en-US" sz="2000" dirty="0">
+              <a:latin typeface="Comic Sans MS" panose="030F0702030302020204" pitchFamily="66" charset="0"/>
+            </a:endParaRPr>
+          </a:p>
+          <a:p>
+            <a:r>
+              <a:rPr lang="en-US" sz="2000" dirty="0" err="1">
+                <a:latin typeface="Comic Sans MS" panose="030F0702030302020204" pitchFamily="66" charset="0"/>
+              </a:rPr>
+              <a:t>Unique_copy</a:t>
+            </a:r>
+            <a:endParaRPr lang="en-US" sz="2000" dirty="0">
+              <a:latin typeface="Comic Sans MS" panose="030F0702030302020204" pitchFamily="66" charset="0"/>
+            </a:endParaRPr>
+          </a:p>
+          <a:p>
+            <a:r>
+              <a:rPr lang="en-US" sz="2000" dirty="0" err="1">
+                <a:latin typeface="Comic Sans MS" panose="030F0702030302020204" pitchFamily="66" charset="0"/>
+              </a:rPr>
+              <a:t>Reverse_copy</a:t>
+            </a:r>
+            <a:endParaRPr lang="en-US" sz="2000" dirty="0">
+              <a:latin typeface="Comic Sans MS" panose="030F0702030302020204" pitchFamily="66" charset="0"/>
+            </a:endParaRPr>
+          </a:p>
+          <a:p>
+            <a:r>
+              <a:rPr lang="en-US" sz="2000" dirty="0" err="1">
+                <a:latin typeface="Comic Sans MS" panose="030F0702030302020204" pitchFamily="66" charset="0"/>
+              </a:rPr>
+              <a:t>Rotate_copy</a:t>
+            </a:r>
+            <a:endParaRPr lang="en-US" sz="2000" dirty="0">
+              <a:latin typeface="Comic Sans MS" panose="030F0702030302020204" pitchFamily="66" charset="0"/>
+            </a:endParaRPr>
+          </a:p>
+          <a:p>
+            <a:r>
+              <a:rPr lang="en-US" sz="2000" dirty="0" err="1">
+                <a:latin typeface="Comic Sans MS" panose="030F0702030302020204" pitchFamily="66" charset="0"/>
+              </a:rPr>
+              <a:t>Replace_copy</a:t>
+            </a:r>
+            <a:endParaRPr lang="en-US" sz="2000" dirty="0">
+              <a:latin typeface="Comic Sans MS" panose="030F0702030302020204" pitchFamily="66" charset="0"/>
+            </a:endParaRPr>
+          </a:p>
+          <a:p>
+            <a:r>
+              <a:rPr lang="en-US" sz="2000" dirty="0" err="1">
+                <a:latin typeface="Comic Sans MS" panose="030F0702030302020204" pitchFamily="66" charset="0"/>
+              </a:rPr>
+              <a:t>Partition_copy</a:t>
+            </a:r>
+            <a:endParaRPr lang="en-US" sz="2000" dirty="0">
+              <a:latin typeface="Comic Sans MS" panose="030F0702030302020204" pitchFamily="66" charset="0"/>
+            </a:endParaRPr>
+          </a:p>
+          <a:p>
+            <a:r>
+              <a:rPr lang="en-US" sz="2000" dirty="0" err="1">
+                <a:latin typeface="Comic Sans MS" panose="030F0702030302020204" pitchFamily="66" charset="0"/>
+              </a:rPr>
+              <a:t>Partial_sort_copy</a:t>
+            </a:r>
+            <a:endParaRPr lang="en-US" sz="2000" dirty="0">
+              <a:latin typeface="Comic Sans MS" panose="030F0702030302020204" pitchFamily="66" charset="0"/>
+            </a:endParaRPr>
+          </a:p>
+        </p:txBody>
+      </p:sp>
+    </p:spTree>
+    <p:extLst>
+      <p:ext uri="{BB962C8B-B14F-4D97-AF65-F5344CB8AC3E}">
+        <p14:creationId xmlns:p14="http://schemas.microsoft.com/office/powerpoint/2010/main" val="2722769660"/>
+      </p:ext>
+    </p:extLst>
+  </p:cSld>
+  <p:clrMapOvr>
+    <a:masterClrMapping/>
+  </p:clrMapOvr>
+</p:sld>
+</file>
+
+<file path=ppt/slides/slide19.xml><?xml version="1.0" encoding="utf-8"?>
+<p:sld xmlns:a="http://schemas.openxmlformats.org/drawingml/2006/main" xmlns:r="http://schemas.openxmlformats.org/officeDocument/2006/relationships" xmlns:p="http://schemas.openxmlformats.org/presentationml/2006/main">
+  <p:cSld>
+    <p:spTree>
+      <p:nvGrpSpPr>
+        <p:cNvPr id="1" name="">
+          <a:extLst>
+            <a:ext uri="{FF2B5EF4-FFF2-40B4-BE49-F238E27FC236}">
+              <a16:creationId xmlns:a16="http://schemas.microsoft.com/office/drawing/2014/main" id="{F8A10DCB-69BB-FC86-03F9-6712A3D517AA}"/>
+            </a:ext>
+          </a:extLst>
+        </p:cNvPr>
+        <p:cNvGrpSpPr/>
+        <p:nvPr/>
+      </p:nvGrpSpPr>
+      <p:grpSpPr>
+        <a:xfrm>
+          <a:off x="0" y="0"/>
+          <a:ext cx="0" cy="0"/>
+          <a:chOff x="0" y="0"/>
+          <a:chExt cx="0" cy="0"/>
+        </a:xfrm>
+      </p:grpSpPr>
+      <p:sp>
+        <p:nvSpPr>
+          <p:cNvPr id="2" name="Title 1">
+            <a:extLst>
+              <a:ext uri="{FF2B5EF4-FFF2-40B4-BE49-F238E27FC236}">
+                <a16:creationId xmlns:a16="http://schemas.microsoft.com/office/drawing/2014/main" id="{63BE6294-4CA1-CC9E-3BA6-82C6E8242254}"/>
+              </a:ext>
+            </a:extLst>
+          </p:cNvPr>
+          <p:cNvSpPr>
+            <a:spLocks noGrp="1"/>
+          </p:cNvSpPr>
+          <p:nvPr>
+            <p:ph type="title"/>
+          </p:nvPr>
+        </p:nvSpPr>
+        <p:spPr/>
+        <p:txBody>
+          <a:bodyPr/>
+          <a:lstStyle/>
+          <a:p>
+            <a:r>
+              <a:rPr lang="en-US" dirty="0">
+                <a:latin typeface="Comic Sans MS" panose="030F0702030302020204" pitchFamily="66" charset="0"/>
+              </a:rPr>
+              <a:t>_if</a:t>
+            </a:r>
+          </a:p>
+        </p:txBody>
+      </p:sp>
+      <p:sp>
+        <p:nvSpPr>
+          <p:cNvPr id="9" name="TextBox 8">
+            <a:extLst>
+              <a:ext uri="{FF2B5EF4-FFF2-40B4-BE49-F238E27FC236}">
+                <a16:creationId xmlns:a16="http://schemas.microsoft.com/office/drawing/2014/main" id="{02E09B97-9CF2-878C-5995-1AA0422215EF}"/>
+              </a:ext>
+            </a:extLst>
+          </p:cNvPr>
+          <p:cNvSpPr txBox="1"/>
+          <p:nvPr/>
+        </p:nvSpPr>
+        <p:spPr>
+          <a:xfrm>
+            <a:off x="3131444" y="2214500"/>
+            <a:ext cx="7907858" cy="2554545"/>
+          </a:xfrm>
+          <a:prstGeom prst="rect">
+            <a:avLst/>
+          </a:prstGeom>
+          <a:noFill/>
+        </p:spPr>
+        <p:txBody>
+          <a:bodyPr wrap="square">
+            <a:spAutoFit/>
+          </a:bodyPr>
+          <a:lstStyle/>
+          <a:p>
+            <a:r>
+              <a:rPr lang="en-US" sz="2000" dirty="0" err="1">
+                <a:latin typeface="Comic Sans MS" panose="030F0702030302020204" pitchFamily="66" charset="0"/>
+              </a:rPr>
+              <a:t>Find_if</a:t>
+            </a:r>
+            <a:endParaRPr lang="en-US" sz="2000" dirty="0">
+              <a:latin typeface="Comic Sans MS" panose="030F0702030302020204" pitchFamily="66" charset="0"/>
+            </a:endParaRPr>
+          </a:p>
+          <a:p>
+            <a:r>
+              <a:rPr lang="en-US" sz="2000" dirty="0" err="1">
+                <a:latin typeface="Comic Sans MS" panose="030F0702030302020204" pitchFamily="66" charset="0"/>
+              </a:rPr>
+              <a:t>Find_if_not</a:t>
+            </a:r>
+            <a:endParaRPr lang="en-US" sz="2000" dirty="0">
+              <a:latin typeface="Comic Sans MS" panose="030F0702030302020204" pitchFamily="66" charset="0"/>
+            </a:endParaRPr>
+          </a:p>
+          <a:p>
+            <a:r>
+              <a:rPr lang="en-US" sz="2000" dirty="0" err="1">
+                <a:latin typeface="Comic Sans MS" panose="030F0702030302020204" pitchFamily="66" charset="0"/>
+              </a:rPr>
+              <a:t>Count_if</a:t>
+            </a:r>
+            <a:endParaRPr lang="en-US" sz="2000" dirty="0">
+              <a:latin typeface="Comic Sans MS" panose="030F0702030302020204" pitchFamily="66" charset="0"/>
+            </a:endParaRPr>
+          </a:p>
+          <a:p>
+            <a:r>
+              <a:rPr lang="en-US" sz="2000" dirty="0" err="1">
+                <a:latin typeface="Comic Sans MS" panose="030F0702030302020204" pitchFamily="66" charset="0"/>
+              </a:rPr>
+              <a:t>Remove_if</a:t>
+            </a:r>
+            <a:endParaRPr lang="en-US" sz="2000" dirty="0">
+              <a:latin typeface="Comic Sans MS" panose="030F0702030302020204" pitchFamily="66" charset="0"/>
+            </a:endParaRPr>
+          </a:p>
+          <a:p>
+            <a:r>
+              <a:rPr lang="en-US" sz="2000" dirty="0" err="1">
+                <a:latin typeface="Comic Sans MS" panose="030F0702030302020204" pitchFamily="66" charset="0"/>
+              </a:rPr>
+              <a:t>Remove_copy_if</a:t>
+            </a:r>
+            <a:endParaRPr lang="en-US" sz="2000" dirty="0">
+              <a:latin typeface="Comic Sans MS" panose="030F0702030302020204" pitchFamily="66" charset="0"/>
+            </a:endParaRPr>
+          </a:p>
+          <a:p>
+            <a:r>
+              <a:rPr lang="en-US" sz="2000" dirty="0" err="1">
+                <a:latin typeface="Comic Sans MS" panose="030F0702030302020204" pitchFamily="66" charset="0"/>
+              </a:rPr>
+              <a:t>Replace_if</a:t>
+            </a:r>
+            <a:endParaRPr lang="en-US" sz="2000" dirty="0">
+              <a:latin typeface="Comic Sans MS" panose="030F0702030302020204" pitchFamily="66" charset="0"/>
+            </a:endParaRPr>
+          </a:p>
+          <a:p>
+            <a:r>
+              <a:rPr lang="en-US" sz="2000" dirty="0" err="1">
+                <a:latin typeface="Comic Sans MS" panose="030F0702030302020204" pitchFamily="66" charset="0"/>
+              </a:rPr>
+              <a:t>Replace_copy_if</a:t>
+            </a:r>
+            <a:endParaRPr lang="en-US" sz="2000" dirty="0">
+              <a:latin typeface="Comic Sans MS" panose="030F0702030302020204" pitchFamily="66" charset="0"/>
+            </a:endParaRPr>
+          </a:p>
+          <a:p>
+            <a:r>
+              <a:rPr lang="en-US" sz="2000" dirty="0" err="1">
+                <a:latin typeface="Comic Sans MS" panose="030F0702030302020204" pitchFamily="66" charset="0"/>
+              </a:rPr>
+              <a:t>Copy_if</a:t>
+            </a:r>
+            <a:endParaRPr lang="en-US" sz="2000" dirty="0">
+              <a:latin typeface="Comic Sans MS" panose="030F0702030302020204" pitchFamily="66" charset="0"/>
+            </a:endParaRPr>
+          </a:p>
+        </p:txBody>
+      </p:sp>
+    </p:spTree>
+    <p:extLst>
+      <p:ext uri="{BB962C8B-B14F-4D97-AF65-F5344CB8AC3E}">
+        <p14:creationId xmlns:p14="http://schemas.microsoft.com/office/powerpoint/2010/main" val="1642514778"/>
+      </p:ext>
+    </p:extLst>
+  </p:cSld>
+  <p:clrMapOvr>
+    <a:masterClrMapping/>
+  </p:clrMapOvr>
+</p:sld>
+</file>
+
 <file path=ppt/slides/slide2.xml><?xml version="1.0" encoding="utf-8"?>
 <p:sld xmlns:a="http://schemas.openxmlformats.org/drawingml/2006/main" xmlns:r="http://schemas.openxmlformats.org/officeDocument/2006/relationships" xmlns:p="http://schemas.openxmlformats.org/presentationml/2006/main">
   <p:cSld>
@@ -4489,7 +7738,448 @@
 </p:sld>
 </file>
 
+<file path=ppt/slides/slide20.xml><?xml version="1.0" encoding="utf-8"?>
+<p:sld xmlns:a="http://schemas.openxmlformats.org/drawingml/2006/main" xmlns:r="http://schemas.openxmlformats.org/officeDocument/2006/relationships" xmlns:p="http://schemas.openxmlformats.org/presentationml/2006/main">
+  <p:cSld>
+    <p:spTree>
+      <p:nvGrpSpPr>
+        <p:cNvPr id="1" name="">
+          <a:extLst>
+            <a:ext uri="{FF2B5EF4-FFF2-40B4-BE49-F238E27FC236}">
+              <a16:creationId xmlns:a16="http://schemas.microsoft.com/office/drawing/2014/main" id="{0B95673F-D92C-EBBE-A00C-6439E48D5057}"/>
+            </a:ext>
+          </a:extLst>
+        </p:cNvPr>
+        <p:cNvGrpSpPr/>
+        <p:nvPr/>
+      </p:nvGrpSpPr>
+      <p:grpSpPr>
+        <a:xfrm>
+          <a:off x="0" y="0"/>
+          <a:ext cx="0" cy="0"/>
+          <a:chOff x="0" y="0"/>
+          <a:chExt cx="0" cy="0"/>
+        </a:xfrm>
+      </p:grpSpPr>
+      <p:sp>
+        <p:nvSpPr>
+          <p:cNvPr id="2" name="Title 1">
+            <a:extLst>
+              <a:ext uri="{FF2B5EF4-FFF2-40B4-BE49-F238E27FC236}">
+                <a16:creationId xmlns:a16="http://schemas.microsoft.com/office/drawing/2014/main" id="{F30CB4BD-6052-4D46-F9E8-F125C8E1F0D8}"/>
+              </a:ext>
+            </a:extLst>
+          </p:cNvPr>
+          <p:cNvSpPr>
+            <a:spLocks noGrp="1"/>
+          </p:cNvSpPr>
+          <p:nvPr>
+            <p:ph type="title"/>
+          </p:nvPr>
+        </p:nvSpPr>
+        <p:spPr/>
+        <p:txBody>
+          <a:bodyPr/>
+          <a:lstStyle/>
+          <a:p>
+            <a:r>
+              <a:rPr lang="en-US" dirty="0">
+                <a:latin typeface="Comic Sans MS" panose="030F0702030302020204" pitchFamily="66" charset="0"/>
+              </a:rPr>
+              <a:t>transform</a:t>
+            </a:r>
+          </a:p>
+        </p:txBody>
+      </p:sp>
+      <p:sp>
+        <p:nvSpPr>
+          <p:cNvPr id="9" name="TextBox 8">
+            <a:extLst>
+              <a:ext uri="{FF2B5EF4-FFF2-40B4-BE49-F238E27FC236}">
+                <a16:creationId xmlns:a16="http://schemas.microsoft.com/office/drawing/2014/main" id="{5D105068-C68B-0846-3B7E-368091744C8E}"/>
+              </a:ext>
+            </a:extLst>
+          </p:cNvPr>
+          <p:cNvSpPr txBox="1"/>
+          <p:nvPr/>
+        </p:nvSpPr>
+        <p:spPr>
+          <a:xfrm>
+            <a:off x="3131444" y="2214500"/>
+            <a:ext cx="7907858" cy="400110"/>
+          </a:xfrm>
+          <a:prstGeom prst="rect">
+            <a:avLst/>
+          </a:prstGeom>
+          <a:noFill/>
+        </p:spPr>
+        <p:txBody>
+          <a:bodyPr wrap="square">
+            <a:spAutoFit/>
+          </a:bodyPr>
+          <a:lstStyle/>
+          <a:p>
+            <a:r>
+              <a:rPr lang="en-US" sz="2000" dirty="0">
+                <a:latin typeface="Comic Sans MS" panose="030F0702030302020204" pitchFamily="66" charset="0"/>
+              </a:rPr>
+              <a:t>???</a:t>
+            </a:r>
+          </a:p>
+        </p:txBody>
+      </p:sp>
+    </p:spTree>
+    <p:extLst>
+      <p:ext uri="{BB962C8B-B14F-4D97-AF65-F5344CB8AC3E}">
+        <p14:creationId xmlns:p14="http://schemas.microsoft.com/office/powerpoint/2010/main" val="2298448276"/>
+      </p:ext>
+    </p:extLst>
+  </p:cSld>
+  <p:clrMapOvr>
+    <a:masterClrMapping/>
+  </p:clrMapOvr>
+</p:sld>
+</file>
+
+<file path=ppt/slides/slide21.xml><?xml version="1.0" encoding="utf-8"?>
+<p:sld xmlns:a="http://schemas.openxmlformats.org/drawingml/2006/main" xmlns:r="http://schemas.openxmlformats.org/officeDocument/2006/relationships" xmlns:p="http://schemas.openxmlformats.org/presentationml/2006/main">
+  <p:cSld>
+    <p:spTree>
+      <p:nvGrpSpPr>
+        <p:cNvPr id="1" name="">
+          <a:extLst>
+            <a:ext uri="{FF2B5EF4-FFF2-40B4-BE49-F238E27FC236}">
+              <a16:creationId xmlns:a16="http://schemas.microsoft.com/office/drawing/2014/main" id="{B40F2227-937B-7EA7-BBD2-8FEAA8BA4E84}"/>
+            </a:ext>
+          </a:extLst>
+        </p:cNvPr>
+        <p:cNvGrpSpPr/>
+        <p:nvPr/>
+      </p:nvGrpSpPr>
+      <p:grpSpPr>
+        <a:xfrm>
+          <a:off x="0" y="0"/>
+          <a:ext cx="0" cy="0"/>
+          <a:chOff x="0" y="0"/>
+          <a:chExt cx="0" cy="0"/>
+        </a:xfrm>
+      </p:grpSpPr>
+      <p:sp>
+        <p:nvSpPr>
+          <p:cNvPr id="2" name="Title 1">
+            <a:extLst>
+              <a:ext uri="{FF2B5EF4-FFF2-40B4-BE49-F238E27FC236}">
+                <a16:creationId xmlns:a16="http://schemas.microsoft.com/office/drawing/2014/main" id="{6C3A51E4-86EB-7C62-8AF7-C1CD069C9CB2}"/>
+              </a:ext>
+            </a:extLst>
+          </p:cNvPr>
+          <p:cNvSpPr>
+            <a:spLocks noGrp="1"/>
+          </p:cNvSpPr>
+          <p:nvPr>
+            <p:ph type="title"/>
+          </p:nvPr>
+        </p:nvSpPr>
+        <p:spPr/>
+        <p:txBody>
+          <a:bodyPr/>
+          <a:lstStyle/>
+          <a:p>
+            <a:r>
+              <a:rPr lang="en-US" dirty="0" err="1">
+                <a:latin typeface="Comic Sans MS" panose="030F0702030302020204" pitchFamily="66" charset="0"/>
+              </a:rPr>
+              <a:t>For_each</a:t>
+            </a:r>
+            <a:endParaRPr lang="en-US" dirty="0">
+              <a:latin typeface="Comic Sans MS" panose="030F0702030302020204" pitchFamily="66" charset="0"/>
+            </a:endParaRPr>
+          </a:p>
+        </p:txBody>
+      </p:sp>
+      <p:sp>
+        <p:nvSpPr>
+          <p:cNvPr id="9" name="TextBox 8">
+            <a:extLst>
+              <a:ext uri="{FF2B5EF4-FFF2-40B4-BE49-F238E27FC236}">
+                <a16:creationId xmlns:a16="http://schemas.microsoft.com/office/drawing/2014/main" id="{EE20ADE9-3970-25FC-1A21-C72B3689B306}"/>
+              </a:ext>
+            </a:extLst>
+          </p:cNvPr>
+          <p:cNvSpPr txBox="1"/>
+          <p:nvPr/>
+        </p:nvSpPr>
+        <p:spPr>
+          <a:xfrm>
+            <a:off x="3131444" y="2214500"/>
+            <a:ext cx="7907858" cy="400110"/>
+          </a:xfrm>
+          <a:prstGeom prst="rect">
+            <a:avLst/>
+          </a:prstGeom>
+          <a:noFill/>
+        </p:spPr>
+        <p:txBody>
+          <a:bodyPr wrap="square">
+            <a:spAutoFit/>
+          </a:bodyPr>
+          <a:lstStyle/>
+          <a:p>
+            <a:r>
+              <a:rPr lang="en-US" sz="2000" dirty="0">
+                <a:latin typeface="Comic Sans MS" panose="030F0702030302020204" pitchFamily="66" charset="0"/>
+              </a:rPr>
+              <a:t>???</a:t>
+            </a:r>
+          </a:p>
+        </p:txBody>
+      </p:sp>
+    </p:spTree>
+    <p:extLst>
+      <p:ext uri="{BB962C8B-B14F-4D97-AF65-F5344CB8AC3E}">
+        <p14:creationId xmlns:p14="http://schemas.microsoft.com/office/powerpoint/2010/main" val="800975022"/>
+      </p:ext>
+    </p:extLst>
+  </p:cSld>
+  <p:clrMapOvr>
+    <a:masterClrMapping/>
+  </p:clrMapOvr>
+</p:sld>
+</file>
+
+<file path=ppt/slides/slide22.xml><?xml version="1.0" encoding="utf-8"?>
+<p:sld xmlns:a="http://schemas.openxmlformats.org/drawingml/2006/main" xmlns:r="http://schemas.openxmlformats.org/officeDocument/2006/relationships" xmlns:p="http://schemas.openxmlformats.org/presentationml/2006/main">
+  <p:cSld>
+    <p:spTree>
+      <p:nvGrpSpPr>
+        <p:cNvPr id="1" name="">
+          <a:extLst>
+            <a:ext uri="{FF2B5EF4-FFF2-40B4-BE49-F238E27FC236}">
+              <a16:creationId xmlns:a16="http://schemas.microsoft.com/office/drawing/2014/main" id="{865583B6-2596-DBAF-9A01-FD95AAE6E86C}"/>
+            </a:ext>
+          </a:extLst>
+        </p:cNvPr>
+        <p:cNvGrpSpPr/>
+        <p:nvPr/>
+      </p:nvGrpSpPr>
+      <p:grpSpPr>
+        <a:xfrm>
+          <a:off x="0" y="0"/>
+          <a:ext cx="0" cy="0"/>
+          <a:chOff x="0" y="0"/>
+          <a:chExt cx="0" cy="0"/>
+        </a:xfrm>
+      </p:grpSpPr>
+      <p:sp>
+        <p:nvSpPr>
+          <p:cNvPr id="2" name="Title 1">
+            <a:extLst>
+              <a:ext uri="{FF2B5EF4-FFF2-40B4-BE49-F238E27FC236}">
+                <a16:creationId xmlns:a16="http://schemas.microsoft.com/office/drawing/2014/main" id="{95B9E34D-C830-0315-40E3-624FE162C1A4}"/>
+              </a:ext>
+            </a:extLst>
+          </p:cNvPr>
+          <p:cNvSpPr>
+            <a:spLocks noGrp="1"/>
+          </p:cNvSpPr>
+          <p:nvPr>
+            <p:ph type="title"/>
+          </p:nvPr>
+        </p:nvSpPr>
+        <p:spPr/>
+        <p:txBody>
+          <a:bodyPr/>
+          <a:lstStyle/>
+          <a:p>
+            <a:r>
+              <a:rPr lang="en-US" dirty="0">
+                <a:latin typeface="Comic Sans MS" panose="030F0702030302020204" pitchFamily="66" charset="0"/>
+              </a:rPr>
+              <a:t>Raw memory</a:t>
+            </a:r>
+          </a:p>
+        </p:txBody>
+      </p:sp>
+      <p:sp>
+        <p:nvSpPr>
+          <p:cNvPr id="9" name="TextBox 8">
+            <a:extLst>
+              <a:ext uri="{FF2B5EF4-FFF2-40B4-BE49-F238E27FC236}">
+                <a16:creationId xmlns:a16="http://schemas.microsoft.com/office/drawing/2014/main" id="{1687C74A-94DB-8050-6376-A2898C3EB341}"/>
+              </a:ext>
+            </a:extLst>
+          </p:cNvPr>
+          <p:cNvSpPr txBox="1"/>
+          <p:nvPr/>
+        </p:nvSpPr>
+        <p:spPr>
+          <a:xfrm>
+            <a:off x="3131444" y="2214500"/>
+            <a:ext cx="7907858" cy="1323439"/>
+          </a:xfrm>
+          <a:prstGeom prst="rect">
+            <a:avLst/>
+          </a:prstGeom>
+          <a:noFill/>
+        </p:spPr>
+        <p:txBody>
+          <a:bodyPr wrap="square">
+            <a:spAutoFit/>
+          </a:bodyPr>
+          <a:lstStyle/>
+          <a:p>
+            <a:r>
+              <a:rPr lang="en-US" sz="2000" dirty="0" err="1">
+                <a:latin typeface="Comic Sans MS" panose="030F0702030302020204" pitchFamily="66" charset="0"/>
+              </a:rPr>
+              <a:t>Uninitialized_fill</a:t>
+            </a:r>
+            <a:endParaRPr lang="en-US" sz="2000" dirty="0">
+              <a:latin typeface="Comic Sans MS" panose="030F0702030302020204" pitchFamily="66" charset="0"/>
+            </a:endParaRPr>
+          </a:p>
+          <a:p>
+            <a:r>
+              <a:rPr lang="en-US" sz="2000" dirty="0" err="1">
+                <a:latin typeface="Comic Sans MS" panose="030F0702030302020204" pitchFamily="66" charset="0"/>
+              </a:rPr>
+              <a:t>Uninitialized_copy</a:t>
+            </a:r>
+            <a:endParaRPr lang="en-US" sz="2000" dirty="0">
+              <a:latin typeface="Comic Sans MS" panose="030F0702030302020204" pitchFamily="66" charset="0"/>
+            </a:endParaRPr>
+          </a:p>
+          <a:p>
+            <a:r>
+              <a:rPr lang="en-US" sz="2000" dirty="0" err="1">
+                <a:latin typeface="Comic Sans MS" panose="030F0702030302020204" pitchFamily="66" charset="0"/>
+              </a:rPr>
+              <a:t>Uninitialized_move</a:t>
+            </a:r>
+            <a:endParaRPr lang="en-US" sz="2000" dirty="0">
+              <a:latin typeface="Comic Sans MS" panose="030F0702030302020204" pitchFamily="66" charset="0"/>
+            </a:endParaRPr>
+          </a:p>
+          <a:p>
+            <a:r>
+              <a:rPr lang="en-US" sz="2000" dirty="0">
+                <a:latin typeface="Comic Sans MS" panose="030F0702030302020204" pitchFamily="66" charset="0"/>
+              </a:rPr>
+              <a:t>destroy</a:t>
+            </a:r>
+          </a:p>
+        </p:txBody>
+      </p:sp>
+    </p:spTree>
+    <p:extLst>
+      <p:ext uri="{BB962C8B-B14F-4D97-AF65-F5344CB8AC3E}">
+        <p14:creationId xmlns:p14="http://schemas.microsoft.com/office/powerpoint/2010/main" val="2306336524"/>
+      </p:ext>
+    </p:extLst>
+  </p:cSld>
+  <p:clrMapOvr>
+    <a:masterClrMapping/>
+  </p:clrMapOvr>
+</p:sld>
+</file>
+
 <file path=ppt/slides/slide3.xml><?xml version="1.0" encoding="utf-8"?>
+<p:sld xmlns:a="http://schemas.openxmlformats.org/drawingml/2006/main" xmlns:r="http://schemas.openxmlformats.org/officeDocument/2006/relationships" xmlns:p="http://schemas.openxmlformats.org/presentationml/2006/main">
+  <p:cSld>
+    <p:spTree>
+      <p:nvGrpSpPr>
+        <p:cNvPr id="1" name="">
+          <a:extLst>
+            <a:ext uri="{FF2B5EF4-FFF2-40B4-BE49-F238E27FC236}">
+              <a16:creationId xmlns:a16="http://schemas.microsoft.com/office/drawing/2014/main" id="{9BCE4A0E-98F6-7173-0424-DAA3601CAFE4}"/>
+            </a:ext>
+          </a:extLst>
+        </p:cNvPr>
+        <p:cNvGrpSpPr/>
+        <p:nvPr/>
+      </p:nvGrpSpPr>
+      <p:grpSpPr>
+        <a:xfrm>
+          <a:off x="0" y="0"/>
+          <a:ext cx="0" cy="0"/>
+          <a:chOff x="0" y="0"/>
+          <a:chExt cx="0" cy="0"/>
+        </a:xfrm>
+      </p:grpSpPr>
+      <p:sp>
+        <p:nvSpPr>
+          <p:cNvPr id="2" name="Title 1">
+            <a:extLst>
+              <a:ext uri="{FF2B5EF4-FFF2-40B4-BE49-F238E27FC236}">
+                <a16:creationId xmlns:a16="http://schemas.microsoft.com/office/drawing/2014/main" id="{76FEA7FF-5661-E6FD-1994-915BA807A60F}"/>
+              </a:ext>
+            </a:extLst>
+          </p:cNvPr>
+          <p:cNvSpPr>
+            <a:spLocks noGrp="1"/>
+          </p:cNvSpPr>
+          <p:nvPr>
+            <p:ph type="title"/>
+          </p:nvPr>
+        </p:nvSpPr>
+        <p:spPr/>
+        <p:txBody>
+          <a:bodyPr/>
+          <a:lstStyle/>
+          <a:p>
+            <a:r>
+              <a:rPr lang="en-US" dirty="0">
+                <a:latin typeface="Comic Sans MS" panose="030F0702030302020204" pitchFamily="66" charset="0"/>
+              </a:rPr>
+              <a:t>STL algorithm</a:t>
+            </a:r>
+          </a:p>
+        </p:txBody>
+      </p:sp>
+      <p:pic>
+        <p:nvPicPr>
+          <p:cNvPr id="7" name="Picture 6">
+            <a:extLst>
+              <a:ext uri="{FF2B5EF4-FFF2-40B4-BE49-F238E27FC236}">
+                <a16:creationId xmlns:a16="http://schemas.microsoft.com/office/drawing/2014/main" id="{B2C34846-7734-7851-7E69-E47955CFF18A}"/>
+              </a:ext>
+            </a:extLst>
+          </p:cNvPr>
+          <p:cNvPicPr>
+            <a:picLocks noChangeAspect="1"/>
+          </p:cNvPicPr>
+          <p:nvPr/>
+        </p:nvPicPr>
+        <p:blipFill>
+          <a:blip r:embed="rId3"/>
+          <a:stretch>
+            <a:fillRect/>
+          </a:stretch>
+        </p:blipFill>
+        <p:spPr>
+          <a:xfrm>
+            <a:off x="2414951" y="1875416"/>
+            <a:ext cx="7362098" cy="3957204"/>
+          </a:xfrm>
+          <a:prstGeom prst="rect">
+            <a:avLst/>
+          </a:prstGeom>
+        </p:spPr>
+      </p:pic>
+    </p:spTree>
+    <p:extLst>
+      <p:ext uri="{BB962C8B-B14F-4D97-AF65-F5344CB8AC3E}">
+        <p14:creationId xmlns:p14="http://schemas.microsoft.com/office/powerpoint/2010/main" val="669488381"/>
+      </p:ext>
+    </p:extLst>
+  </p:cSld>
+  <p:clrMapOvr>
+    <a:masterClrMapping/>
+  </p:clrMapOvr>
+</p:sld>
+</file>
+
+<file path=ppt/slides/slide4.xml><?xml version="1.0" encoding="utf-8"?>
 <p:sld xmlns:a="http://schemas.openxmlformats.org/drawingml/2006/main" xmlns:r="http://schemas.openxmlformats.org/officeDocument/2006/relationships" xmlns:p="http://schemas.openxmlformats.org/presentationml/2006/main">
   <p:cSld>
     <p:spTree>
@@ -5713,7 +9403,7 @@
 </p:sld>
 </file>
 
-<file path=ppt/slides/slide4.xml><?xml version="1.0" encoding="utf-8"?>
+<file path=ppt/slides/slide5.xml><?xml version="1.0" encoding="utf-8"?>
 <p:sld xmlns:a="http://schemas.openxmlformats.org/drawingml/2006/main" xmlns:r="http://schemas.openxmlformats.org/officeDocument/2006/relationships" xmlns:p="http://schemas.openxmlformats.org/presentationml/2006/main">
   <p:cSld>
     <p:spTree>
@@ -6410,7 +10100,7 @@
 </p:sld>
 </file>
 
-<file path=ppt/slides/slide5.xml><?xml version="1.0" encoding="utf-8"?>
+<file path=ppt/slides/slide6.xml><?xml version="1.0" encoding="utf-8"?>
 <p:sld xmlns:a="http://schemas.openxmlformats.org/drawingml/2006/main" xmlns:r="http://schemas.openxmlformats.org/officeDocument/2006/relationships" xmlns:p="http://schemas.openxmlformats.org/presentationml/2006/main">
   <p:cSld>
     <p:spTree>
@@ -7746,7 +11436,7 @@
 </p:sld>
 </file>
 
-<file path=ppt/slides/slide6.xml><?xml version="1.0" encoding="utf-8"?>
+<file path=ppt/slides/slide7.xml><?xml version="1.0" encoding="utf-8"?>
 <p:sld xmlns:a="http://schemas.openxmlformats.org/drawingml/2006/main" xmlns:r="http://schemas.openxmlformats.org/officeDocument/2006/relationships" xmlns:p="http://schemas.openxmlformats.org/presentationml/2006/main">
   <p:cSld>
     <p:spTree>
@@ -9138,6 +12828,325 @@
     <p:extLst>
       <p:ext uri="{BB962C8B-B14F-4D97-AF65-F5344CB8AC3E}">
         <p14:creationId xmlns:p14="http://schemas.microsoft.com/office/powerpoint/2010/main" val="1777506630"/>
+      </p:ext>
+    </p:extLst>
+  </p:cSld>
+  <p:clrMapOvr>
+    <a:masterClrMapping/>
+  </p:clrMapOvr>
+</p:sld>
+</file>
+
+<file path=ppt/slides/slide8.xml><?xml version="1.0" encoding="utf-8"?>
+<p:sld xmlns:a="http://schemas.openxmlformats.org/drawingml/2006/main" xmlns:r="http://schemas.openxmlformats.org/officeDocument/2006/relationships" xmlns:p="http://schemas.openxmlformats.org/presentationml/2006/main">
+  <p:cSld>
+    <p:spTree>
+      <p:nvGrpSpPr>
+        <p:cNvPr id="1" name="">
+          <a:extLst>
+            <a:ext uri="{FF2B5EF4-FFF2-40B4-BE49-F238E27FC236}">
+              <a16:creationId xmlns:a16="http://schemas.microsoft.com/office/drawing/2014/main" id="{D0F2B20B-F9CB-5587-AE79-309C79D2828B}"/>
+            </a:ext>
+          </a:extLst>
+        </p:cNvPr>
+        <p:cNvGrpSpPr/>
+        <p:nvPr/>
+      </p:nvGrpSpPr>
+      <p:grpSpPr>
+        <a:xfrm>
+          <a:off x="0" y="0"/>
+          <a:ext cx="0" cy="0"/>
+          <a:chOff x="0" y="0"/>
+          <a:chExt cx="0" cy="0"/>
+        </a:xfrm>
+      </p:grpSpPr>
+      <p:sp>
+        <p:nvSpPr>
+          <p:cNvPr id="2" name="Title 1">
+            <a:extLst>
+              <a:ext uri="{FF2B5EF4-FFF2-40B4-BE49-F238E27FC236}">
+                <a16:creationId xmlns:a16="http://schemas.microsoft.com/office/drawing/2014/main" id="{768DD996-F895-0B9B-4F03-8DC3948237E7}"/>
+              </a:ext>
+            </a:extLst>
+          </p:cNvPr>
+          <p:cNvSpPr>
+            <a:spLocks noGrp="1"/>
+          </p:cNvSpPr>
+          <p:nvPr>
+            <p:ph type="title"/>
+          </p:nvPr>
+        </p:nvSpPr>
+        <p:spPr/>
+        <p:txBody>
+          <a:bodyPr/>
+          <a:lstStyle/>
+          <a:p>
+            <a:r>
+              <a:rPr lang="en-US" dirty="0">
+                <a:latin typeface="Comic Sans MS" panose="030F0702030302020204" pitchFamily="66" charset="0"/>
+              </a:rPr>
+              <a:t>Numeric algorithms</a:t>
+            </a:r>
+          </a:p>
+        </p:txBody>
+      </p:sp>
+      <p:sp>
+        <p:nvSpPr>
+          <p:cNvPr id="9" name="TextBox 8">
+            <a:extLst>
+              <a:ext uri="{FF2B5EF4-FFF2-40B4-BE49-F238E27FC236}">
+                <a16:creationId xmlns:a16="http://schemas.microsoft.com/office/drawing/2014/main" id="{06356765-92C0-C1E5-6A2F-46325A4565BD}"/>
+              </a:ext>
+            </a:extLst>
+          </p:cNvPr>
+          <p:cNvSpPr txBox="1"/>
+          <p:nvPr/>
+        </p:nvSpPr>
+        <p:spPr>
+          <a:xfrm>
+            <a:off x="3131444" y="2214500"/>
+            <a:ext cx="7907858" cy="2862322"/>
+          </a:xfrm>
+          <a:prstGeom prst="rect">
+            <a:avLst/>
+          </a:prstGeom>
+          <a:noFill/>
+        </p:spPr>
+        <p:txBody>
+          <a:bodyPr wrap="square">
+            <a:spAutoFit/>
+          </a:bodyPr>
+          <a:lstStyle/>
+          <a:p>
+            <a:r>
+              <a:rPr lang="en-US" sz="2000" dirty="0">
+                <a:latin typeface="Comic Sans MS" panose="030F0702030302020204" pitchFamily="66" charset="0"/>
+              </a:rPr>
+              <a:t>Count</a:t>
+            </a:r>
+          </a:p>
+          <a:p>
+            <a:r>
+              <a:rPr lang="en-US" sz="2000" dirty="0">
+                <a:latin typeface="Comic Sans MS" panose="030F0702030302020204" pitchFamily="66" charset="0"/>
+              </a:rPr>
+              <a:t>Accumulate/(transform_)reduce</a:t>
+            </a:r>
+          </a:p>
+          <a:p>
+            <a:r>
+              <a:rPr lang="en-US" sz="2000" dirty="0" err="1">
+                <a:latin typeface="Comic Sans MS" panose="030F0702030302020204" pitchFamily="66" charset="0"/>
+              </a:rPr>
+              <a:t>Partial_sum</a:t>
+            </a:r>
+            <a:endParaRPr lang="en-US" sz="2000" dirty="0">
+              <a:latin typeface="Comic Sans MS" panose="030F0702030302020204" pitchFamily="66" charset="0"/>
+            </a:endParaRPr>
+          </a:p>
+          <a:p>
+            <a:r>
+              <a:rPr lang="en-US" sz="2000" dirty="0">
+                <a:latin typeface="Comic Sans MS" panose="030F0702030302020204" pitchFamily="66" charset="0"/>
+              </a:rPr>
+              <a:t>(transform…)</a:t>
+            </a:r>
+            <a:r>
+              <a:rPr lang="en-US" sz="2000" dirty="0" err="1">
+                <a:latin typeface="Comic Sans MS" panose="030F0702030302020204" pitchFamily="66" charset="0"/>
+              </a:rPr>
+              <a:t>inclusive_scan</a:t>
+            </a:r>
+            <a:endParaRPr lang="en-US" sz="2000" dirty="0">
+              <a:latin typeface="Comic Sans MS" panose="030F0702030302020204" pitchFamily="66" charset="0"/>
+            </a:endParaRPr>
+          </a:p>
+          <a:p>
+            <a:r>
+              <a:rPr lang="en-US" sz="2000" dirty="0">
+                <a:latin typeface="Comic Sans MS" panose="030F0702030302020204" pitchFamily="66" charset="0"/>
+              </a:rPr>
+              <a:t>(transform…)</a:t>
+            </a:r>
+            <a:r>
+              <a:rPr lang="en-US" sz="2000" dirty="0" err="1">
+                <a:latin typeface="Comic Sans MS" panose="030F0702030302020204" pitchFamily="66" charset="0"/>
+              </a:rPr>
+              <a:t>exclusive_scan</a:t>
+            </a:r>
+            <a:endParaRPr lang="en-US" sz="2000" dirty="0">
+              <a:latin typeface="Comic Sans MS" panose="030F0702030302020204" pitchFamily="66" charset="0"/>
+            </a:endParaRPr>
+          </a:p>
+          <a:p>
+            <a:r>
+              <a:rPr lang="en-US" sz="2000" dirty="0" err="1">
+                <a:latin typeface="Comic Sans MS" panose="030F0702030302020204" pitchFamily="66" charset="0"/>
+              </a:rPr>
+              <a:t>Inner_product</a:t>
+            </a:r>
+            <a:endParaRPr lang="en-US" sz="2000" dirty="0">
+              <a:latin typeface="Comic Sans MS" panose="030F0702030302020204" pitchFamily="66" charset="0"/>
+            </a:endParaRPr>
+          </a:p>
+          <a:p>
+            <a:r>
+              <a:rPr lang="en-US" sz="2000" dirty="0" err="1">
+                <a:latin typeface="Comic Sans MS" panose="030F0702030302020204" pitchFamily="66" charset="0"/>
+              </a:rPr>
+              <a:t>Adjacent_difference</a:t>
+            </a:r>
+            <a:endParaRPr lang="en-US" sz="2000" dirty="0">
+              <a:latin typeface="Comic Sans MS" panose="030F0702030302020204" pitchFamily="66" charset="0"/>
+            </a:endParaRPr>
+          </a:p>
+          <a:p>
+            <a:r>
+              <a:rPr lang="en-US" sz="2000" dirty="0">
+                <a:latin typeface="Comic Sans MS" panose="030F0702030302020204" pitchFamily="66" charset="0"/>
+              </a:rPr>
+              <a:t>Sample</a:t>
+            </a:r>
+          </a:p>
+          <a:p>
+            <a:endParaRPr lang="en-US" sz="2000" dirty="0">
+              <a:latin typeface="Comic Sans MS" panose="030F0702030302020204" pitchFamily="66" charset="0"/>
+            </a:endParaRPr>
+          </a:p>
+        </p:txBody>
+      </p:sp>
+    </p:spTree>
+    <p:extLst>
+      <p:ext uri="{BB962C8B-B14F-4D97-AF65-F5344CB8AC3E}">
+        <p14:creationId xmlns:p14="http://schemas.microsoft.com/office/powerpoint/2010/main" val="3168759223"/>
+      </p:ext>
+    </p:extLst>
+  </p:cSld>
+  <p:clrMapOvr>
+    <a:masterClrMapping/>
+  </p:clrMapOvr>
+</p:sld>
+</file>
+
+<file path=ppt/slides/slide9.xml><?xml version="1.0" encoding="utf-8"?>
+<p:sld xmlns:a="http://schemas.openxmlformats.org/drawingml/2006/main" xmlns:r="http://schemas.openxmlformats.org/officeDocument/2006/relationships" xmlns:p="http://schemas.openxmlformats.org/presentationml/2006/main">
+  <p:cSld>
+    <p:spTree>
+      <p:nvGrpSpPr>
+        <p:cNvPr id="1" name="">
+          <a:extLst>
+            <a:ext uri="{FF2B5EF4-FFF2-40B4-BE49-F238E27FC236}">
+              <a16:creationId xmlns:a16="http://schemas.microsoft.com/office/drawing/2014/main" id="{01841D49-93B0-CECB-A753-1638A700323E}"/>
+            </a:ext>
+          </a:extLst>
+        </p:cNvPr>
+        <p:cNvGrpSpPr/>
+        <p:nvPr/>
+      </p:nvGrpSpPr>
+      <p:grpSpPr>
+        <a:xfrm>
+          <a:off x="0" y="0"/>
+          <a:ext cx="0" cy="0"/>
+          <a:chOff x="0" y="0"/>
+          <a:chExt cx="0" cy="0"/>
+        </a:xfrm>
+      </p:grpSpPr>
+      <p:sp>
+        <p:nvSpPr>
+          <p:cNvPr id="2" name="Title 1">
+            <a:extLst>
+              <a:ext uri="{FF2B5EF4-FFF2-40B4-BE49-F238E27FC236}">
+                <a16:creationId xmlns:a16="http://schemas.microsoft.com/office/drawing/2014/main" id="{1182C49D-B7C6-2ED0-31BD-C44AEB9F9E82}"/>
+              </a:ext>
+            </a:extLst>
+          </p:cNvPr>
+          <p:cNvSpPr>
+            <a:spLocks noGrp="1"/>
+          </p:cNvSpPr>
+          <p:nvPr>
+            <p:ph type="title"/>
+          </p:nvPr>
+        </p:nvSpPr>
+        <p:spPr/>
+        <p:txBody>
+          <a:bodyPr/>
+          <a:lstStyle/>
+          <a:p>
+            <a:r>
+              <a:rPr lang="en-US" dirty="0">
+                <a:latin typeface="Comic Sans MS" panose="030F0702030302020204" pitchFamily="66" charset="0"/>
+              </a:rPr>
+              <a:t>Querying a property</a:t>
+            </a:r>
+          </a:p>
+        </p:txBody>
+      </p:sp>
+      <p:sp>
+        <p:nvSpPr>
+          <p:cNvPr id="9" name="TextBox 8">
+            <a:extLst>
+              <a:ext uri="{FF2B5EF4-FFF2-40B4-BE49-F238E27FC236}">
+                <a16:creationId xmlns:a16="http://schemas.microsoft.com/office/drawing/2014/main" id="{ED360029-8201-73D5-8C97-EB7B0EDCF316}"/>
+              </a:ext>
+            </a:extLst>
+          </p:cNvPr>
+          <p:cNvSpPr txBox="1"/>
+          <p:nvPr/>
+        </p:nvSpPr>
+        <p:spPr>
+          <a:xfrm>
+            <a:off x="3131444" y="2214500"/>
+            <a:ext cx="7907858" cy="1015663"/>
+          </a:xfrm>
+          <a:prstGeom prst="rect">
+            <a:avLst/>
+          </a:prstGeom>
+          <a:noFill/>
+        </p:spPr>
+        <p:txBody>
+          <a:bodyPr wrap="square">
+            <a:spAutoFit/>
+          </a:bodyPr>
+          <a:lstStyle/>
+          <a:p>
+            <a:r>
+              <a:rPr lang="en-US" sz="2000" dirty="0" err="1">
+                <a:latin typeface="Comic Sans MS" panose="030F0702030302020204" pitchFamily="66" charset="0"/>
+              </a:rPr>
+              <a:t>All_of</a:t>
+            </a:r>
+            <a:endParaRPr lang="en-US" sz="2000" dirty="0">
+              <a:latin typeface="Comic Sans MS" panose="030F0702030302020204" pitchFamily="66" charset="0"/>
+            </a:endParaRPr>
+          </a:p>
+          <a:p>
+            <a:r>
+              <a:rPr lang="en-US" sz="2000" dirty="0" err="1">
+                <a:latin typeface="Comic Sans MS" panose="030F0702030302020204" pitchFamily="66" charset="0"/>
+              </a:rPr>
+              <a:t>Any_of</a:t>
+            </a:r>
+            <a:endParaRPr lang="en-US" sz="2000" dirty="0">
+              <a:latin typeface="Comic Sans MS" panose="030F0702030302020204" pitchFamily="66" charset="0"/>
+            </a:endParaRPr>
+          </a:p>
+          <a:p>
+            <a:r>
+              <a:rPr lang="en-US" sz="2000" dirty="0" err="1">
+                <a:latin typeface="Comic Sans MS" panose="030F0702030302020204" pitchFamily="66" charset="0"/>
+              </a:rPr>
+              <a:t>None_of</a:t>
+            </a:r>
+            <a:endParaRPr lang="en-US" sz="2000" dirty="0">
+              <a:latin typeface="Comic Sans MS" panose="030F0702030302020204" pitchFamily="66" charset="0"/>
+            </a:endParaRPr>
+          </a:p>
+        </p:txBody>
+      </p:sp>
+    </p:spTree>
+    <p:extLst>
+      <p:ext uri="{BB962C8B-B14F-4D97-AF65-F5344CB8AC3E}">
+        <p14:creationId xmlns:p14="http://schemas.microsoft.com/office/powerpoint/2010/main" val="309031728"/>
       </p:ext>
     </p:extLst>
   </p:cSld>
